--- a/assets/06-vorlesung/06-Vorlesung.pptx
+++ b/assets/06-vorlesung/06-Vorlesung.pptx
@@ -5,7 +5,7 @@
     <p:sldMasterId id="2147483673" r:id="rId1"/>
   </p:sldMasterIdLst>
   <p:notesMasterIdLst>
-    <p:notesMasterId r:id="rId39"/>
+    <p:notesMasterId r:id="rId40"/>
   </p:notesMasterIdLst>
   <p:sldIdLst>
     <p:sldId id="256" r:id="rId2"/>
@@ -29,22 +29,23 @@
     <p:sldId id="1792" r:id="rId20"/>
     <p:sldId id="1780" r:id="rId21"/>
     <p:sldId id="1782" r:id="rId22"/>
-    <p:sldId id="1794" r:id="rId23"/>
-    <p:sldId id="1795" r:id="rId24"/>
-    <p:sldId id="1796" r:id="rId25"/>
-    <p:sldId id="1797" r:id="rId26"/>
-    <p:sldId id="1798" r:id="rId27"/>
-    <p:sldId id="1799" r:id="rId28"/>
-    <p:sldId id="1800" r:id="rId29"/>
-    <p:sldId id="1801" r:id="rId30"/>
-    <p:sldId id="1812" r:id="rId31"/>
-    <p:sldId id="1814" r:id="rId32"/>
-    <p:sldId id="1831" r:id="rId33"/>
-    <p:sldId id="1832" r:id="rId34"/>
-    <p:sldId id="1833" r:id="rId35"/>
-    <p:sldId id="1835" r:id="rId36"/>
-    <p:sldId id="1837" r:id="rId37"/>
-    <p:sldId id="1838" r:id="rId38"/>
+    <p:sldId id="1839" r:id="rId23"/>
+    <p:sldId id="1794" r:id="rId24"/>
+    <p:sldId id="1795" r:id="rId25"/>
+    <p:sldId id="1796" r:id="rId26"/>
+    <p:sldId id="1797" r:id="rId27"/>
+    <p:sldId id="1798" r:id="rId28"/>
+    <p:sldId id="1799" r:id="rId29"/>
+    <p:sldId id="1800" r:id="rId30"/>
+    <p:sldId id="1801" r:id="rId31"/>
+    <p:sldId id="1812" r:id="rId32"/>
+    <p:sldId id="1814" r:id="rId33"/>
+    <p:sldId id="1831" r:id="rId34"/>
+    <p:sldId id="1832" r:id="rId35"/>
+    <p:sldId id="1833" r:id="rId36"/>
+    <p:sldId id="1835" r:id="rId37"/>
+    <p:sldId id="1837" r:id="rId38"/>
+    <p:sldId id="1838" r:id="rId39"/>
   </p:sldIdLst>
   <p:sldSz cx="9144000" cy="6858000" type="screen4x3"/>
   <p:notesSz cx="6858000" cy="9144000"/>
@@ -2354,7 +2355,7 @@
           <a:p>
             <a:fld id="{EFDD45BB-031E-4E5B-BC79-44D290C71C18}" type="datetimeFigureOut">
               <a:rPr lang="en-US" smtClean="0"/>
-              <a:t>5/8/2019</a:t>
+              <a:t>5/9/2019</a:t>
             </a:fld>
             <a:endParaRPr lang="en-US"/>
           </a:p>
@@ -2704,7 +2705,7 @@
           <a:p>
             <a:fld id="{E94FDEA8-FDD0-47AB-9B1E-6412E7EC60D7}" type="datetime1">
               <a:rPr lang="en-US" smtClean="0"/>
-              <a:t>5/8/2019</a:t>
+              <a:t>5/9/2019</a:t>
             </a:fld>
             <a:endParaRPr lang="en-US"/>
           </a:p>
@@ -3923,11 +3924,7 @@
             </a:br>
             <a:r>
               <a:rPr lang="de-DE" altLang="en-US" sz="2000" dirty="0" smtClean="0"/>
-              <a:t>05/06 </a:t>
-            </a:r>
-            <a:r>
-              <a:rPr lang="de-DE" altLang="en-US" sz="2000" dirty="0" smtClean="0"/>
-              <a:t>– Vorlesung *Big Data</a:t>
+              <a:t>05/06 – Vorlesung *Big Data</a:t>
             </a:r>
             <a:endParaRPr lang="de-DE" altLang="en-US" sz="4400" dirty="0"/>
           </a:p>
@@ -4004,6 +4001,13 @@
   <p:clrMapOvr>
     <a:masterClrMapping/>
   </p:clrMapOvr>
+  <p:timing>
+    <p:tnLst>
+      <p:par>
+        <p:cTn id="1" dur="indefinite" restart="never" nodeType="tmRoot"/>
+      </p:par>
+    </p:tnLst>
+  </p:timing>
 </p:sld>
 </file>
 
@@ -10913,6 +10917,13 @@
       <p:transition spd="slow"/>
     </mc:Fallback>
   </mc:AlternateContent>
+  <p:timing>
+    <p:tnLst>
+      <p:par>
+        <p:cTn id="1" dur="indefinite" restart="never" nodeType="tmRoot"/>
+      </p:par>
+    </p:tnLst>
+  </p:timing>
 </p:sld>
 </file>
 
@@ -15541,25 +15552,6 @@
       </p:grpSpPr>
       <p:sp>
         <p:nvSpPr>
-          <p:cNvPr id="7" name="Inhaltsplatzhalter 6"/>
-          <p:cNvSpPr>
-            <a:spLocks noGrp="1"/>
-          </p:cNvSpPr>
-          <p:nvPr>
-            <p:ph idx="1"/>
-          </p:nvPr>
-        </p:nvSpPr>
-        <p:spPr/>
-        <p:txBody>
-          <a:bodyPr/>
-          <a:lstStyle/>
-          <a:p>
-            <a:endParaRPr lang="de-DE"/>
-          </a:p>
-        </p:txBody>
-      </p:sp>
-      <p:sp>
-        <p:nvSpPr>
           <p:cNvPr id="2" name="Title 1"/>
           <p:cNvSpPr>
             <a:spLocks noGrp="1"/>
@@ -15613,7 +15605,7 @@
           </p:cNvPicPr>
           <p:nvPr/>
         </p:nvPicPr>
-        <p:blipFill>
+        <p:blipFill rotWithShape="1">
           <a:blip r:embed="rId2">
             <a:extLst>
               <a:ext uri="{28A0092B-C50C-407E-A947-70E740481C1C}">
@@ -15621,15 +15613,13 @@
               </a:ext>
             </a:extLst>
           </a:blip>
-          <a:srcRect/>
-          <a:stretch>
-            <a:fillRect/>
-          </a:stretch>
+          <a:srcRect t="6850" b="16689"/>
+          <a:stretch/>
         </p:blipFill>
         <p:spPr bwMode="auto">
           <a:xfrm>
-            <a:off x="5827" y="620689"/>
-            <a:ext cx="9555438" cy="6264562"/>
+            <a:off x="479439" y="1600200"/>
+            <a:ext cx="8664561" cy="4343400"/>
           </a:xfrm>
           <a:prstGeom prst="rect">
             <a:avLst/>
@@ -15674,52 +15664,6 @@
           </a:p>
         </p:txBody>
       </p:sp>
-      <p:sp>
-        <p:nvSpPr>
-          <p:cNvPr id="6" name="Rectangle 5"/>
-          <p:cNvSpPr/>
-          <p:nvPr/>
-        </p:nvSpPr>
-        <p:spPr>
-          <a:xfrm flipH="1" flipV="1">
-            <a:off x="1772703" y="1160494"/>
-            <a:ext cx="8418917" cy="4668908"/>
-          </a:xfrm>
-          <a:prstGeom prst="rect">
-            <a:avLst/>
-          </a:prstGeom>
-          <a:solidFill>
-            <a:schemeClr val="bg1"/>
-          </a:solidFill>
-          <a:ln>
-            <a:noFill/>
-          </a:ln>
-        </p:spPr>
-        <p:style>
-          <a:lnRef idx="2">
-            <a:schemeClr val="accent1">
-              <a:shade val="50000"/>
-            </a:schemeClr>
-          </a:lnRef>
-          <a:fillRef idx="1">
-            <a:schemeClr val="accent1"/>
-          </a:fillRef>
-          <a:effectRef idx="0">
-            <a:schemeClr val="accent1"/>
-          </a:effectRef>
-          <a:fontRef idx="minor">
-            <a:schemeClr val="lt1"/>
-          </a:fontRef>
-        </p:style>
-        <p:txBody>
-          <a:bodyPr rtlCol="0" anchor="ctr"/>
-          <a:lstStyle/>
-          <a:p>
-            <a:pPr algn="ctr"/>
-            <a:endParaRPr lang="en-US"/>
-          </a:p>
-        </p:txBody>
-      </p:sp>
     </p:spTree>
     <p:extLst>
       <p:ext uri="{BB962C8B-B14F-4D97-AF65-F5344CB8AC3E}">
@@ -15733,198 +15677,9 @@
   <p:timing>
     <p:tnLst>
       <p:par>
-        <p:cTn id="1" dur="indefinite" restart="never" nodeType="tmRoot">
-          <p:childTnLst>
-            <p:seq concurrent="1" nextAc="seek">
-              <p:cTn id="2" dur="indefinite" nodeType="mainSeq">
-                <p:childTnLst>
-                  <p:par>
-                    <p:cTn id="3" fill="hold">
-                      <p:stCondLst>
-                        <p:cond delay="indefinite"/>
-                      </p:stCondLst>
-                      <p:childTnLst>
-                        <p:par>
-                          <p:cTn id="4" fill="hold">
-                            <p:stCondLst>
-                              <p:cond delay="0"/>
-                            </p:stCondLst>
-                            <p:childTnLst>
-                              <p:par>
-                                <p:cTn id="5" presetID="42" presetClass="path" presetSubtype="0" accel="50000" decel="50000" fill="hold" grpId="0" nodeType="clickEffect">
-                                  <p:stCondLst>
-                                    <p:cond delay="0"/>
-                                  </p:stCondLst>
-                                  <p:childTnLst>
-                                    <p:animMotion origin="layout" path="M 0.16875 0.00093 L 0.23975 0.00093 " pathEditMode="relative" rAng="0" ptsTypes="AA">
-                                      <p:cBhvr>
-                                        <p:cTn id="6" dur="2000" fill="hold"/>
-                                        <p:tgtEl>
-                                          <p:spTgt spid="6"/>
-                                        </p:tgtEl>
-                                        <p:attrNameLst>
-                                          <p:attrName>ppt_x</p:attrName>
-                                          <p:attrName>ppt_y</p:attrName>
-                                        </p:attrNameLst>
-                                      </p:cBhvr>
-                                      <p:rCtr x="3542" y="0"/>
-                                    </p:animMotion>
-                                  </p:childTnLst>
-                                </p:cTn>
-                              </p:par>
-                            </p:childTnLst>
-                          </p:cTn>
-                        </p:par>
-                      </p:childTnLst>
-                    </p:cTn>
-                  </p:par>
-                  <p:par>
-                    <p:cTn id="7" fill="hold">
-                      <p:stCondLst>
-                        <p:cond delay="indefinite"/>
-                      </p:stCondLst>
-                      <p:childTnLst>
-                        <p:par>
-                          <p:cTn id="8" fill="hold">
-                            <p:stCondLst>
-                              <p:cond delay="0"/>
-                            </p:stCondLst>
-                            <p:childTnLst>
-                              <p:par>
-                                <p:cTn id="9" presetID="42" presetClass="path" presetSubtype="0" accel="50000" decel="50000" fill="hold" grpId="1" nodeType="clickEffect">
-                                  <p:stCondLst>
-                                    <p:cond delay="0"/>
-                                  </p:stCondLst>
-                                  <p:childTnLst>
-                                    <p:animMotion origin="layout" path="M 0.23975 0.00093 L 0.38125 0.00093 " pathEditMode="relative" rAng="0" ptsTypes="AA">
-                                      <p:cBhvr>
-                                        <p:cTn id="10" dur="2000" fill="hold"/>
-                                        <p:tgtEl>
-                                          <p:spTgt spid="6"/>
-                                        </p:tgtEl>
-                                        <p:attrNameLst>
-                                          <p:attrName>ppt_x</p:attrName>
-                                          <p:attrName>ppt_y</p:attrName>
-                                        </p:attrNameLst>
-                                      </p:cBhvr>
-                                      <p:rCtr x="7066" y="0"/>
-                                    </p:animMotion>
-                                  </p:childTnLst>
-                                </p:cTn>
-                              </p:par>
-                            </p:childTnLst>
-                          </p:cTn>
-                        </p:par>
-                      </p:childTnLst>
-                    </p:cTn>
-                  </p:par>
-                  <p:par>
-                    <p:cTn id="11" fill="hold">
-                      <p:stCondLst>
-                        <p:cond delay="indefinite"/>
-                      </p:stCondLst>
-                      <p:childTnLst>
-                        <p:par>
-                          <p:cTn id="12" fill="hold">
-                            <p:stCondLst>
-                              <p:cond delay="0"/>
-                            </p:stCondLst>
-                            <p:childTnLst>
-                              <p:par>
-                                <p:cTn id="13" presetID="42" presetClass="path" presetSubtype="0" accel="50000" decel="50000" fill="hold" grpId="2" nodeType="clickEffect">
-                                  <p:stCondLst>
-                                    <p:cond delay="0"/>
-                                  </p:stCondLst>
-                                  <p:childTnLst>
-                                    <p:animMotion origin="layout" path="M 0.38125 0.00093 L 0.51527 0.00093 " pathEditMode="relative" rAng="0" ptsTypes="AA">
-                                      <p:cBhvr>
-                                        <p:cTn id="14" dur="2000" fill="hold"/>
-                                        <p:tgtEl>
-                                          <p:spTgt spid="6"/>
-                                        </p:tgtEl>
-                                        <p:attrNameLst>
-                                          <p:attrName>ppt_x</p:attrName>
-                                          <p:attrName>ppt_y</p:attrName>
-                                        </p:attrNameLst>
-                                      </p:cBhvr>
-                                      <p:rCtr x="6701" y="0"/>
-                                    </p:animMotion>
-                                  </p:childTnLst>
-                                </p:cTn>
-                              </p:par>
-                            </p:childTnLst>
-                          </p:cTn>
-                        </p:par>
-                      </p:childTnLst>
-                    </p:cTn>
-                  </p:par>
-                  <p:par>
-                    <p:cTn id="15" fill="hold">
-                      <p:stCondLst>
-                        <p:cond delay="indefinite"/>
-                      </p:stCondLst>
-                      <p:childTnLst>
-                        <p:par>
-                          <p:cTn id="16" fill="hold">
-                            <p:stCondLst>
-                              <p:cond delay="0"/>
-                            </p:stCondLst>
-                            <p:childTnLst>
-                              <p:par>
-                                <p:cTn id="17" presetID="42" presetClass="path" presetSubtype="0" accel="50000" decel="50000" fill="hold" grpId="3" nodeType="clickEffect">
-                                  <p:stCondLst>
-                                    <p:cond delay="0"/>
-                                  </p:stCondLst>
-                                  <p:childTnLst>
-                                    <p:animMotion origin="layout" path="M 0.51527 0.00092 L 0.86111 0.00185 " pathEditMode="relative" rAng="0" ptsTypes="AA">
-                                      <p:cBhvr>
-                                        <p:cTn id="18" dur="2000" fill="hold"/>
-                                        <p:tgtEl>
-                                          <p:spTgt spid="6"/>
-                                        </p:tgtEl>
-                                        <p:attrNameLst>
-                                          <p:attrName>ppt_x</p:attrName>
-                                          <p:attrName>ppt_y</p:attrName>
-                                        </p:attrNameLst>
-                                      </p:cBhvr>
-                                      <p:rCtr x="17292" y="46"/>
-                                    </p:animMotion>
-                                  </p:childTnLst>
-                                </p:cTn>
-                              </p:par>
-                            </p:childTnLst>
-                          </p:cTn>
-                        </p:par>
-                      </p:childTnLst>
-                    </p:cTn>
-                  </p:par>
-                </p:childTnLst>
-              </p:cTn>
-              <p:prevCondLst>
-                <p:cond evt="onPrev" delay="0">
-                  <p:tgtEl>
-                    <p:sldTgt/>
-                  </p:tgtEl>
-                </p:cond>
-              </p:prevCondLst>
-              <p:nextCondLst>
-                <p:cond evt="onNext" delay="0">
-                  <p:tgtEl>
-                    <p:sldTgt/>
-                  </p:tgtEl>
-                </p:cond>
-              </p:nextCondLst>
-            </p:seq>
-          </p:childTnLst>
-        </p:cTn>
+        <p:cTn id="1" dur="indefinite" restart="never" nodeType="tmRoot"/>
       </p:par>
     </p:tnLst>
-    <p:bldLst>
-      <p:bldP spid="6" grpId="0" animBg="1"/>
-      <p:bldP spid="6" grpId="1" animBg="1"/>
-      <p:bldP spid="6" grpId="2" animBg="1"/>
-      <p:bldP spid="6" grpId="3" animBg="1"/>
-    </p:bldLst>
   </p:timing>
 </p:sld>
 </file>
@@ -16254,11 +16009,11 @@
   <p:clrMapOvr>
     <a:masterClrMapping/>
   </p:clrMapOvr>
-  <mc:AlternateContent xmlns:mc="http://schemas.openxmlformats.org/markup-compatibility/2006">
-    <mc:Choice xmlns:p14="http://schemas.microsoft.com/office/powerpoint/2010/main" Requires="p14">
+  <mc:AlternateContent xmlns:mc="http://schemas.openxmlformats.org/markup-compatibility/2006" xmlns:p14="http://schemas.microsoft.com/office/powerpoint/2010/main">
+    <mc:Choice Requires="p14">
       <p:transition spd="slow" p14:dur="2000"/>
     </mc:Choice>
-    <mc:Fallback>
+    <mc:Fallback xmlns="">
       <p:transition spd="slow"/>
     </mc:Fallback>
   </mc:AlternateContent>
@@ -16663,11 +16418,11 @@
   <p:clrMapOvr>
     <a:masterClrMapping/>
   </p:clrMapOvr>
-  <mc:AlternateContent xmlns:mc="http://schemas.openxmlformats.org/markup-compatibility/2006">
-    <mc:Choice xmlns:p14="http://schemas.microsoft.com/office/powerpoint/2010/main" Requires="p14">
+  <mc:AlternateContent xmlns:mc="http://schemas.openxmlformats.org/markup-compatibility/2006" xmlns:p14="http://schemas.microsoft.com/office/powerpoint/2010/main">
+    <mc:Choice Requires="p14">
       <p:transition spd="slow" p14:dur="2000"/>
     </mc:Choice>
-    <mc:Fallback>
+    <mc:Fallback xmlns="">
       <p:transition spd="slow"/>
     </mc:Fallback>
   </mc:AlternateContent>
@@ -22937,7 +22692,7 @@
         <p:spPr bwMode="auto">
           <a:xfrm>
             <a:off x="914400" y="3151651"/>
-            <a:ext cx="7315200" cy="228600"/>
+            <a:ext cx="7315200" cy="504362"/>
           </a:xfrm>
           <a:prstGeom prst="rect">
             <a:avLst/>
@@ -24895,6 +24650,13 @@
   <p:clrMapOvr>
     <a:masterClrMapping/>
   </p:clrMapOvr>
+  <p:timing>
+    <p:tnLst>
+      <p:par>
+        <p:cTn id="1" dur="indefinite" restart="never" nodeType="tmRoot"/>
+      </p:par>
+    </p:tnLst>
+  </p:timing>
 </p:sld>
 </file>
 
@@ -25773,10 +25535,2106 @@
   <p:clrMapOvr>
     <a:masterClrMapping/>
   </p:clrMapOvr>
+  <p:timing>
+    <p:tnLst>
+      <p:par>
+        <p:cTn id="1" dur="indefinite" restart="never" nodeType="tmRoot"/>
+      </p:par>
+    </p:tnLst>
+  </p:timing>
 </p:sld>
 </file>
 
 <file path=ppt/slides/slide22.xml><?xml version="1.0" encoding="utf-8"?>
+<p:sld xmlns:a="http://schemas.openxmlformats.org/drawingml/2006/main" xmlns:r="http://schemas.openxmlformats.org/officeDocument/2006/relationships" xmlns:p="http://schemas.openxmlformats.org/presentationml/2006/main">
+  <p:cSld>
+    <p:spTree>
+      <p:nvGrpSpPr>
+        <p:cNvPr id="1" name=""/>
+        <p:cNvGrpSpPr/>
+        <p:nvPr/>
+      </p:nvGrpSpPr>
+      <p:grpSpPr>
+        <a:xfrm>
+          <a:off x="0" y="0"/>
+          <a:ext cx="0" cy="0"/>
+          <a:chOff x="0" y="0"/>
+          <a:chExt cx="0" cy="0"/>
+        </a:xfrm>
+      </p:grpSpPr>
+      <p:sp>
+        <p:nvSpPr>
+          <p:cNvPr id="70" name="Abgerundetes Rechteck 69"/>
+          <p:cNvSpPr/>
+          <p:nvPr/>
+        </p:nvSpPr>
+        <p:spPr bwMode="auto">
+          <a:xfrm>
+            <a:off x="3048000" y="1729474"/>
+            <a:ext cx="5029200" cy="1259807"/>
+          </a:xfrm>
+          <a:prstGeom prst="roundRect">
+            <a:avLst/>
+          </a:prstGeom>
+          <a:ln>
+            <a:prstDash val="dash"/>
+            <a:headEnd type="none" w="med" len="med"/>
+            <a:tailEnd type="none" w="med" len="med"/>
+          </a:ln>
+        </p:spPr>
+        <p:style>
+          <a:lnRef idx="2">
+            <a:schemeClr val="accent1"/>
+          </a:lnRef>
+          <a:fillRef idx="1">
+            <a:schemeClr val="lt1"/>
+          </a:fillRef>
+          <a:effectRef idx="0">
+            <a:schemeClr val="accent1"/>
+          </a:effectRef>
+          <a:fontRef idx="minor">
+            <a:schemeClr val="dk1"/>
+          </a:fontRef>
+        </p:style>
+        <p:txBody>
+          <a:bodyPr vert="horz" wrap="square" lIns="91440" tIns="45720" rIns="91440" bIns="45720" numCol="1" rtlCol="0" anchor="t" anchorCtr="0" compatLnSpc="1">
+            <a:prstTxWarp prst="textNoShape">
+              <a:avLst/>
+            </a:prstTxWarp>
+          </a:bodyPr>
+          <a:lstStyle/>
+          <a:p>
+            <a:pPr marL="0" marR="0" indent="0" algn="l" defTabSz="914400" rtl="0" eaLnBrk="0" fontAlgn="base" latinLnBrk="0" hangingPunct="0">
+              <a:lnSpc>
+                <a:spcPct val="100000"/>
+              </a:lnSpc>
+              <a:spcBef>
+                <a:spcPct val="0"/>
+              </a:spcBef>
+              <a:spcAft>
+                <a:spcPct val="0"/>
+              </a:spcAft>
+              <a:buClrTx/>
+              <a:buSzTx/>
+              <a:buFontTx/>
+              <a:buNone/>
+              <a:tabLst/>
+            </a:pPr>
+            <a:endParaRPr kumimoji="0" lang="de-DE" sz="2400" b="0" i="0" u="none" strike="noStrike" cap="none" normalizeH="0" baseline="0" dirty="0">
+              <a:ln>
+                <a:noFill/>
+              </a:ln>
+              <a:solidFill>
+                <a:schemeClr val="tx1"/>
+              </a:solidFill>
+              <a:effectLst/>
+              <a:latin typeface="Arial" charset="0"/>
+              <a:ea typeface="ＭＳ Ｐゴシック" charset="-128"/>
+              <a:cs typeface="ＭＳ Ｐゴシック" charset="-128"/>
+            </a:endParaRPr>
+          </a:p>
+        </p:txBody>
+      </p:sp>
+      <p:sp>
+        <p:nvSpPr>
+          <p:cNvPr id="66" name="Abgerundetes Rechteck 65"/>
+          <p:cNvSpPr/>
+          <p:nvPr/>
+        </p:nvSpPr>
+        <p:spPr bwMode="auto">
+          <a:xfrm>
+            <a:off x="3048000" y="4800600"/>
+            <a:ext cx="5029200" cy="1757065"/>
+          </a:xfrm>
+          <a:prstGeom prst="roundRect">
+            <a:avLst/>
+          </a:prstGeom>
+          <a:ln>
+            <a:prstDash val="dash"/>
+            <a:headEnd type="none" w="med" len="med"/>
+            <a:tailEnd type="none" w="med" len="med"/>
+          </a:ln>
+        </p:spPr>
+        <p:style>
+          <a:lnRef idx="2">
+            <a:schemeClr val="accent1"/>
+          </a:lnRef>
+          <a:fillRef idx="1">
+            <a:schemeClr val="lt1"/>
+          </a:fillRef>
+          <a:effectRef idx="0">
+            <a:schemeClr val="accent1"/>
+          </a:effectRef>
+          <a:fontRef idx="minor">
+            <a:schemeClr val="dk1"/>
+          </a:fontRef>
+        </p:style>
+        <p:txBody>
+          <a:bodyPr vert="horz" wrap="square" lIns="91440" tIns="45720" rIns="91440" bIns="45720" numCol="1" rtlCol="0" anchor="t" anchorCtr="0" compatLnSpc="1">
+            <a:prstTxWarp prst="textNoShape">
+              <a:avLst/>
+            </a:prstTxWarp>
+          </a:bodyPr>
+          <a:lstStyle/>
+          <a:p>
+            <a:pPr marL="0" marR="0" indent="0" algn="l" defTabSz="914400" rtl="0" eaLnBrk="0" fontAlgn="base" latinLnBrk="0" hangingPunct="0">
+              <a:lnSpc>
+                <a:spcPct val="100000"/>
+              </a:lnSpc>
+              <a:spcBef>
+                <a:spcPct val="0"/>
+              </a:spcBef>
+              <a:spcAft>
+                <a:spcPct val="0"/>
+              </a:spcAft>
+              <a:buClrTx/>
+              <a:buSzTx/>
+              <a:buFontTx/>
+              <a:buNone/>
+              <a:tabLst/>
+            </a:pPr>
+            <a:endParaRPr kumimoji="0" lang="de-DE" sz="2400" b="0" i="0" u="none" strike="noStrike" cap="none" normalizeH="0" baseline="0" dirty="0">
+              <a:ln>
+                <a:noFill/>
+              </a:ln>
+              <a:solidFill>
+                <a:schemeClr val="tx1"/>
+              </a:solidFill>
+              <a:effectLst/>
+              <a:latin typeface="Arial" charset="0"/>
+              <a:ea typeface="ＭＳ Ｐゴシック" charset="-128"/>
+              <a:cs typeface="ＭＳ Ｐゴシック" charset="-128"/>
+            </a:endParaRPr>
+          </a:p>
+        </p:txBody>
+      </p:sp>
+      <p:sp>
+        <p:nvSpPr>
+          <p:cNvPr id="3" name="Titel 2"/>
+          <p:cNvSpPr>
+            <a:spLocks noGrp="1"/>
+          </p:cNvSpPr>
+          <p:nvPr>
+            <p:ph type="title"/>
+          </p:nvPr>
+        </p:nvSpPr>
+        <p:spPr/>
+        <p:txBody>
+          <a:bodyPr/>
+          <a:lstStyle/>
+          <a:p>
+            <a:r>
+              <a:rPr lang="en-US" dirty="0" err="1" smtClean="0"/>
+              <a:t>IoT</a:t>
+            </a:r>
+            <a:r>
+              <a:rPr lang="en-US" dirty="0" smtClean="0"/>
+              <a:t> Architecture</a:t>
+            </a:r>
+            <a:endParaRPr lang="de-DE" dirty="0"/>
+          </a:p>
+        </p:txBody>
+      </p:sp>
+      <p:sp>
+        <p:nvSpPr>
+          <p:cNvPr id="5" name="Rechteck 4"/>
+          <p:cNvSpPr/>
+          <p:nvPr/>
+        </p:nvSpPr>
+        <p:spPr bwMode="auto">
+          <a:xfrm>
+            <a:off x="609600" y="1828800"/>
+            <a:ext cx="304800" cy="304800"/>
+          </a:xfrm>
+          <a:prstGeom prst="rect">
+            <a:avLst/>
+          </a:prstGeom>
+          <a:solidFill>
+            <a:schemeClr val="accent1"/>
+          </a:solidFill>
+          <a:ln w="9525" cap="flat" cmpd="sng" algn="ctr">
+            <a:solidFill>
+              <a:schemeClr val="tx1"/>
+            </a:solidFill>
+            <a:prstDash val="solid"/>
+            <a:round/>
+            <a:headEnd type="none" w="med" len="med"/>
+            <a:tailEnd type="none" w="med" len="med"/>
+          </a:ln>
+          <a:effectLst/>
+        </p:spPr>
+        <p:txBody>
+          <a:bodyPr vert="horz" wrap="square" lIns="91440" tIns="45720" rIns="91440" bIns="45720" numCol="1" rtlCol="0" anchor="t" anchorCtr="0" compatLnSpc="1">
+            <a:prstTxWarp prst="textNoShape">
+              <a:avLst/>
+            </a:prstTxWarp>
+          </a:bodyPr>
+          <a:lstStyle/>
+          <a:p>
+            <a:pPr marL="0" marR="0" indent="0" algn="l" defTabSz="914400" rtl="0" eaLnBrk="0" fontAlgn="base" latinLnBrk="0" hangingPunct="0">
+              <a:lnSpc>
+                <a:spcPct val="100000"/>
+              </a:lnSpc>
+              <a:spcBef>
+                <a:spcPct val="0"/>
+              </a:spcBef>
+              <a:spcAft>
+                <a:spcPct val="0"/>
+              </a:spcAft>
+              <a:buClrTx/>
+              <a:buSzTx/>
+              <a:buFontTx/>
+              <a:buNone/>
+              <a:tabLst/>
+            </a:pPr>
+            <a:endParaRPr kumimoji="0" lang="de-DE" sz="2400" b="0" i="0" u="none" strike="noStrike" cap="none" normalizeH="0" baseline="0">
+              <a:ln>
+                <a:noFill/>
+              </a:ln>
+              <a:solidFill>
+                <a:schemeClr val="tx1"/>
+              </a:solidFill>
+              <a:effectLst/>
+              <a:latin typeface="Arial" charset="0"/>
+              <a:ea typeface="ＭＳ Ｐゴシック" charset="-128"/>
+              <a:cs typeface="ＭＳ Ｐゴシック" charset="-128"/>
+            </a:endParaRPr>
+          </a:p>
+        </p:txBody>
+      </p:sp>
+      <p:sp>
+        <p:nvSpPr>
+          <p:cNvPr id="10" name="Rechteck 9"/>
+          <p:cNvSpPr/>
+          <p:nvPr/>
+        </p:nvSpPr>
+        <p:spPr bwMode="auto">
+          <a:xfrm>
+            <a:off x="635098" y="2594318"/>
+            <a:ext cx="304800" cy="304800"/>
+          </a:xfrm>
+          <a:prstGeom prst="rect">
+            <a:avLst/>
+          </a:prstGeom>
+          <a:solidFill>
+            <a:schemeClr val="accent1"/>
+          </a:solidFill>
+          <a:ln w="9525" cap="flat" cmpd="sng" algn="ctr">
+            <a:solidFill>
+              <a:schemeClr val="tx1"/>
+            </a:solidFill>
+            <a:prstDash val="solid"/>
+            <a:round/>
+            <a:headEnd type="none" w="med" len="med"/>
+            <a:tailEnd type="none" w="med" len="med"/>
+          </a:ln>
+          <a:effectLst/>
+        </p:spPr>
+        <p:txBody>
+          <a:bodyPr vert="horz" wrap="square" lIns="91440" tIns="45720" rIns="91440" bIns="45720" numCol="1" rtlCol="0" anchor="t" anchorCtr="0" compatLnSpc="1">
+            <a:prstTxWarp prst="textNoShape">
+              <a:avLst/>
+            </a:prstTxWarp>
+          </a:bodyPr>
+          <a:lstStyle/>
+          <a:p>
+            <a:pPr marL="0" marR="0" indent="0" algn="l" defTabSz="914400" rtl="0" eaLnBrk="0" fontAlgn="base" latinLnBrk="0" hangingPunct="0">
+              <a:lnSpc>
+                <a:spcPct val="100000"/>
+              </a:lnSpc>
+              <a:spcBef>
+                <a:spcPct val="0"/>
+              </a:spcBef>
+              <a:spcAft>
+                <a:spcPct val="0"/>
+              </a:spcAft>
+              <a:buClrTx/>
+              <a:buSzTx/>
+              <a:buFontTx/>
+              <a:buNone/>
+              <a:tabLst/>
+            </a:pPr>
+            <a:endParaRPr kumimoji="0" lang="de-DE" sz="2400" b="0" i="0" u="none" strike="noStrike" cap="none" normalizeH="0" baseline="0">
+              <a:ln>
+                <a:noFill/>
+              </a:ln>
+              <a:solidFill>
+                <a:schemeClr val="tx1"/>
+              </a:solidFill>
+              <a:effectLst/>
+              <a:latin typeface="Arial" charset="0"/>
+              <a:ea typeface="ＭＳ Ｐゴシック" charset="-128"/>
+              <a:cs typeface="ＭＳ Ｐゴシック" charset="-128"/>
+            </a:endParaRPr>
+          </a:p>
+        </p:txBody>
+      </p:sp>
+      <p:sp>
+        <p:nvSpPr>
+          <p:cNvPr id="11" name="Rechteck 10"/>
+          <p:cNvSpPr/>
+          <p:nvPr/>
+        </p:nvSpPr>
+        <p:spPr bwMode="auto">
+          <a:xfrm>
+            <a:off x="635098" y="3359836"/>
+            <a:ext cx="304800" cy="304800"/>
+          </a:xfrm>
+          <a:prstGeom prst="rect">
+            <a:avLst/>
+          </a:prstGeom>
+          <a:solidFill>
+            <a:schemeClr val="accent1"/>
+          </a:solidFill>
+          <a:ln w="9525" cap="flat" cmpd="sng" algn="ctr">
+            <a:solidFill>
+              <a:schemeClr val="tx1"/>
+            </a:solidFill>
+            <a:prstDash val="solid"/>
+            <a:round/>
+            <a:headEnd type="none" w="med" len="med"/>
+            <a:tailEnd type="none" w="med" len="med"/>
+          </a:ln>
+          <a:effectLst/>
+        </p:spPr>
+        <p:txBody>
+          <a:bodyPr vert="horz" wrap="square" lIns="91440" tIns="45720" rIns="91440" bIns="45720" numCol="1" rtlCol="0" anchor="t" anchorCtr="0" compatLnSpc="1">
+            <a:prstTxWarp prst="textNoShape">
+              <a:avLst/>
+            </a:prstTxWarp>
+          </a:bodyPr>
+          <a:lstStyle/>
+          <a:p>
+            <a:pPr marL="0" marR="0" indent="0" algn="l" defTabSz="914400" rtl="0" eaLnBrk="0" fontAlgn="base" latinLnBrk="0" hangingPunct="0">
+              <a:lnSpc>
+                <a:spcPct val="100000"/>
+              </a:lnSpc>
+              <a:spcBef>
+                <a:spcPct val="0"/>
+              </a:spcBef>
+              <a:spcAft>
+                <a:spcPct val="0"/>
+              </a:spcAft>
+              <a:buClrTx/>
+              <a:buSzTx/>
+              <a:buFontTx/>
+              <a:buNone/>
+              <a:tabLst/>
+            </a:pPr>
+            <a:endParaRPr kumimoji="0" lang="de-DE" sz="2400" b="0" i="0" u="none" strike="noStrike" cap="none" normalizeH="0" baseline="0">
+              <a:ln>
+                <a:noFill/>
+              </a:ln>
+              <a:solidFill>
+                <a:schemeClr val="tx1"/>
+              </a:solidFill>
+              <a:effectLst/>
+              <a:latin typeface="Arial" charset="0"/>
+              <a:ea typeface="ＭＳ Ｐゴシック" charset="-128"/>
+              <a:cs typeface="ＭＳ Ｐゴシック" charset="-128"/>
+            </a:endParaRPr>
+          </a:p>
+        </p:txBody>
+      </p:sp>
+      <p:sp>
+        <p:nvSpPr>
+          <p:cNvPr id="12" name="Rechteck 11"/>
+          <p:cNvSpPr/>
+          <p:nvPr/>
+        </p:nvSpPr>
+        <p:spPr bwMode="auto">
+          <a:xfrm>
+            <a:off x="635098" y="4124181"/>
+            <a:ext cx="304800" cy="304800"/>
+          </a:xfrm>
+          <a:prstGeom prst="rect">
+            <a:avLst/>
+          </a:prstGeom>
+          <a:solidFill>
+            <a:schemeClr val="accent1"/>
+          </a:solidFill>
+          <a:ln w="9525" cap="flat" cmpd="sng" algn="ctr">
+            <a:solidFill>
+              <a:schemeClr val="tx1"/>
+            </a:solidFill>
+            <a:prstDash val="solid"/>
+            <a:round/>
+            <a:headEnd type="none" w="med" len="med"/>
+            <a:tailEnd type="none" w="med" len="med"/>
+          </a:ln>
+          <a:effectLst/>
+        </p:spPr>
+        <p:txBody>
+          <a:bodyPr vert="horz" wrap="square" lIns="91440" tIns="45720" rIns="91440" bIns="45720" numCol="1" rtlCol="0" anchor="t" anchorCtr="0" compatLnSpc="1">
+            <a:prstTxWarp prst="textNoShape">
+              <a:avLst/>
+            </a:prstTxWarp>
+          </a:bodyPr>
+          <a:lstStyle/>
+          <a:p>
+            <a:pPr marL="0" marR="0" indent="0" algn="l" defTabSz="914400" rtl="0" eaLnBrk="0" fontAlgn="base" latinLnBrk="0" hangingPunct="0">
+              <a:lnSpc>
+                <a:spcPct val="100000"/>
+              </a:lnSpc>
+              <a:spcBef>
+                <a:spcPct val="0"/>
+              </a:spcBef>
+              <a:spcAft>
+                <a:spcPct val="0"/>
+              </a:spcAft>
+              <a:buClrTx/>
+              <a:buSzTx/>
+              <a:buFontTx/>
+              <a:buNone/>
+              <a:tabLst/>
+            </a:pPr>
+            <a:endParaRPr kumimoji="0" lang="de-DE" sz="2400" b="0" i="0" u="none" strike="noStrike" cap="none" normalizeH="0" baseline="0">
+              <a:ln>
+                <a:noFill/>
+              </a:ln>
+              <a:solidFill>
+                <a:schemeClr val="tx1"/>
+              </a:solidFill>
+              <a:effectLst/>
+              <a:latin typeface="Arial" charset="0"/>
+              <a:ea typeface="ＭＳ Ｐゴシック" charset="-128"/>
+              <a:cs typeface="ＭＳ Ｐゴシック" charset="-128"/>
+            </a:endParaRPr>
+          </a:p>
+        </p:txBody>
+      </p:sp>
+      <p:sp>
+        <p:nvSpPr>
+          <p:cNvPr id="13" name="Rechteck 12"/>
+          <p:cNvSpPr/>
+          <p:nvPr/>
+        </p:nvSpPr>
+        <p:spPr bwMode="auto">
+          <a:xfrm>
+            <a:off x="635098" y="4886181"/>
+            <a:ext cx="304800" cy="304800"/>
+          </a:xfrm>
+          <a:prstGeom prst="rect">
+            <a:avLst/>
+          </a:prstGeom>
+          <a:solidFill>
+            <a:schemeClr val="accent1"/>
+          </a:solidFill>
+          <a:ln w="9525" cap="flat" cmpd="sng" algn="ctr">
+            <a:solidFill>
+              <a:schemeClr val="tx1"/>
+            </a:solidFill>
+            <a:prstDash val="solid"/>
+            <a:round/>
+            <a:headEnd type="none" w="med" len="med"/>
+            <a:tailEnd type="none" w="med" len="med"/>
+          </a:ln>
+          <a:effectLst/>
+        </p:spPr>
+        <p:txBody>
+          <a:bodyPr vert="horz" wrap="square" lIns="91440" tIns="45720" rIns="91440" bIns="45720" numCol="1" rtlCol="0" anchor="t" anchorCtr="0" compatLnSpc="1">
+            <a:prstTxWarp prst="textNoShape">
+              <a:avLst/>
+            </a:prstTxWarp>
+          </a:bodyPr>
+          <a:lstStyle/>
+          <a:p>
+            <a:pPr marL="0" marR="0" indent="0" algn="l" defTabSz="914400" rtl="0" eaLnBrk="0" fontAlgn="base" latinLnBrk="0" hangingPunct="0">
+              <a:lnSpc>
+                <a:spcPct val="100000"/>
+              </a:lnSpc>
+              <a:spcBef>
+                <a:spcPct val="0"/>
+              </a:spcBef>
+              <a:spcAft>
+                <a:spcPct val="0"/>
+              </a:spcAft>
+              <a:buClrTx/>
+              <a:buSzTx/>
+              <a:buFontTx/>
+              <a:buNone/>
+              <a:tabLst/>
+            </a:pPr>
+            <a:endParaRPr kumimoji="0" lang="de-DE" sz="2400" b="0" i="0" u="none" strike="noStrike" cap="none" normalizeH="0" baseline="0">
+              <a:ln>
+                <a:noFill/>
+              </a:ln>
+              <a:solidFill>
+                <a:schemeClr val="tx1"/>
+              </a:solidFill>
+              <a:effectLst/>
+              <a:latin typeface="Arial" charset="0"/>
+              <a:ea typeface="ＭＳ Ｐゴシック" charset="-128"/>
+              <a:cs typeface="ＭＳ Ｐゴシック" charset="-128"/>
+            </a:endParaRPr>
+          </a:p>
+        </p:txBody>
+      </p:sp>
+      <p:sp>
+        <p:nvSpPr>
+          <p:cNvPr id="14" name="Rechteck 13"/>
+          <p:cNvSpPr/>
+          <p:nvPr/>
+        </p:nvSpPr>
+        <p:spPr bwMode="auto">
+          <a:xfrm>
+            <a:off x="635098" y="5650526"/>
+            <a:ext cx="304800" cy="304800"/>
+          </a:xfrm>
+          <a:prstGeom prst="rect">
+            <a:avLst/>
+          </a:prstGeom>
+          <a:solidFill>
+            <a:schemeClr val="accent1"/>
+          </a:solidFill>
+          <a:ln w="9525" cap="flat" cmpd="sng" algn="ctr">
+            <a:solidFill>
+              <a:schemeClr val="tx1"/>
+            </a:solidFill>
+            <a:prstDash val="solid"/>
+            <a:round/>
+            <a:headEnd type="none" w="med" len="med"/>
+            <a:tailEnd type="none" w="med" len="med"/>
+          </a:ln>
+          <a:effectLst/>
+        </p:spPr>
+        <p:txBody>
+          <a:bodyPr vert="horz" wrap="square" lIns="91440" tIns="45720" rIns="91440" bIns="45720" numCol="1" rtlCol="0" anchor="t" anchorCtr="0" compatLnSpc="1">
+            <a:prstTxWarp prst="textNoShape">
+              <a:avLst/>
+            </a:prstTxWarp>
+          </a:bodyPr>
+          <a:lstStyle/>
+          <a:p>
+            <a:pPr marL="0" marR="0" indent="0" algn="l" defTabSz="914400" rtl="0" eaLnBrk="0" fontAlgn="base" latinLnBrk="0" hangingPunct="0">
+              <a:lnSpc>
+                <a:spcPct val="100000"/>
+              </a:lnSpc>
+              <a:spcBef>
+                <a:spcPct val="0"/>
+              </a:spcBef>
+              <a:spcAft>
+                <a:spcPct val="0"/>
+              </a:spcAft>
+              <a:buClrTx/>
+              <a:buSzTx/>
+              <a:buFontTx/>
+              <a:buNone/>
+              <a:tabLst/>
+            </a:pPr>
+            <a:endParaRPr kumimoji="0" lang="de-DE" sz="2400" b="0" i="0" u="none" strike="noStrike" cap="none" normalizeH="0" baseline="0">
+              <a:ln>
+                <a:noFill/>
+              </a:ln>
+              <a:solidFill>
+                <a:schemeClr val="tx1"/>
+              </a:solidFill>
+              <a:effectLst/>
+              <a:latin typeface="Arial" charset="0"/>
+              <a:ea typeface="ＭＳ Ｐゴシック" charset="-128"/>
+              <a:cs typeface="ＭＳ Ｐゴシック" charset="-128"/>
+            </a:endParaRPr>
+          </a:p>
+        </p:txBody>
+      </p:sp>
+      <p:sp>
+        <p:nvSpPr>
+          <p:cNvPr id="15" name="Textfeld 14"/>
+          <p:cNvSpPr txBox="1"/>
+          <p:nvPr/>
+        </p:nvSpPr>
+        <p:spPr>
+          <a:xfrm>
+            <a:off x="107255" y="6031072"/>
+            <a:ext cx="1478290" cy="307777"/>
+          </a:xfrm>
+          <a:prstGeom prst="rect">
+            <a:avLst/>
+          </a:prstGeom>
+          <a:noFill/>
+        </p:spPr>
+        <p:txBody>
+          <a:bodyPr wrap="none" rtlCol="0">
+            <a:spAutoFit/>
+          </a:bodyPr>
+          <a:lstStyle/>
+          <a:p>
+            <a:r>
+              <a:rPr lang="en-US" sz="1400" dirty="0" smtClean="0"/>
+              <a:t>Devices(Things)</a:t>
+            </a:r>
+            <a:endParaRPr lang="de-DE" sz="1400" dirty="0"/>
+          </a:p>
+        </p:txBody>
+      </p:sp>
+      <p:sp>
+        <p:nvSpPr>
+          <p:cNvPr id="16" name="Rechteck 15"/>
+          <p:cNvSpPr/>
+          <p:nvPr/>
+        </p:nvSpPr>
+        <p:spPr bwMode="auto">
+          <a:xfrm>
+            <a:off x="2041721" y="3065178"/>
+            <a:ext cx="990600" cy="1263836"/>
+          </a:xfrm>
+          <a:prstGeom prst="rect">
+            <a:avLst/>
+          </a:prstGeom>
+          <a:ln>
+            <a:headEnd type="none" w="med" len="med"/>
+            <a:tailEnd type="none" w="med" len="med"/>
+          </a:ln>
+        </p:spPr>
+        <p:style>
+          <a:lnRef idx="2">
+            <a:schemeClr val="accent4">
+              <a:shade val="50000"/>
+            </a:schemeClr>
+          </a:lnRef>
+          <a:fillRef idx="1">
+            <a:schemeClr val="accent4"/>
+          </a:fillRef>
+          <a:effectRef idx="0">
+            <a:schemeClr val="accent4"/>
+          </a:effectRef>
+          <a:fontRef idx="minor">
+            <a:schemeClr val="lt1"/>
+          </a:fontRef>
+        </p:style>
+        <p:txBody>
+          <a:bodyPr vert="horz" wrap="square" lIns="91440" tIns="45720" rIns="91440" bIns="45720" numCol="1" rtlCol="0" anchor="t" anchorCtr="0" compatLnSpc="1">
+            <a:prstTxWarp prst="textNoShape">
+              <a:avLst/>
+            </a:prstTxWarp>
+          </a:bodyPr>
+          <a:lstStyle/>
+          <a:p>
+            <a:pPr algn="ctr"/>
+            <a:r>
+              <a:rPr lang="en-US" sz="1200">
+                <a:solidFill>
+                  <a:schemeClr val="tx2"/>
+                </a:solidFill>
+              </a:rPr>
+              <a:t>Data Ingest </a:t>
+            </a:r>
+          </a:p>
+          <a:p>
+            <a:pPr algn="ctr"/>
+            <a:r>
+              <a:rPr lang="en-US" sz="1200">
+                <a:solidFill>
+                  <a:schemeClr val="tx2"/>
+                </a:solidFill>
+              </a:rPr>
+              <a:t>(MQTT Broker)</a:t>
+            </a:r>
+            <a:endParaRPr lang="de-DE" sz="1200" dirty="0">
+              <a:solidFill>
+                <a:schemeClr val="tx2"/>
+              </a:solidFill>
+            </a:endParaRPr>
+          </a:p>
+        </p:txBody>
+      </p:sp>
+      <p:sp>
+        <p:nvSpPr>
+          <p:cNvPr id="18" name="Rechteck 17"/>
+          <p:cNvSpPr/>
+          <p:nvPr/>
+        </p:nvSpPr>
+        <p:spPr bwMode="auto">
+          <a:xfrm>
+            <a:off x="3505200" y="5285408"/>
+            <a:ext cx="1900311" cy="503453"/>
+          </a:xfrm>
+          <a:prstGeom prst="rect">
+            <a:avLst/>
+          </a:prstGeom>
+          <a:ln>
+            <a:headEnd type="none" w="med" len="med"/>
+            <a:tailEnd type="none" w="med" len="med"/>
+          </a:ln>
+        </p:spPr>
+        <p:style>
+          <a:lnRef idx="1">
+            <a:schemeClr val="accent2"/>
+          </a:lnRef>
+          <a:fillRef idx="2">
+            <a:schemeClr val="accent2"/>
+          </a:fillRef>
+          <a:effectRef idx="1">
+            <a:schemeClr val="accent2"/>
+          </a:effectRef>
+          <a:fontRef idx="minor">
+            <a:schemeClr val="dk1"/>
+          </a:fontRef>
+        </p:style>
+        <p:txBody>
+          <a:bodyPr vert="horz" wrap="square" lIns="91440" tIns="45720" rIns="91440" bIns="45720" numCol="1" rtlCol="0" anchor="t" anchorCtr="0" compatLnSpc="1">
+            <a:prstTxWarp prst="textNoShape">
+              <a:avLst/>
+            </a:prstTxWarp>
+          </a:bodyPr>
+          <a:lstStyle/>
+          <a:p>
+            <a:pPr marL="0" marR="0" indent="0" algn="ctr" defTabSz="914400" rtl="0" eaLnBrk="0" fontAlgn="base" latinLnBrk="0" hangingPunct="0">
+              <a:lnSpc>
+                <a:spcPct val="100000"/>
+              </a:lnSpc>
+              <a:spcBef>
+                <a:spcPct val="0"/>
+              </a:spcBef>
+              <a:spcAft>
+                <a:spcPct val="0"/>
+              </a:spcAft>
+              <a:buClrTx/>
+              <a:buSzTx/>
+              <a:buFontTx/>
+              <a:buNone/>
+              <a:tabLst/>
+            </a:pPr>
+            <a:r>
+              <a:rPr kumimoji="0" lang="en-US" sz="1200" b="0" i="0" u="none" strike="noStrike" cap="none" normalizeH="0" baseline="0" dirty="0" smtClean="0">
+                <a:ln>
+                  <a:noFill/>
+                </a:ln>
+                <a:solidFill>
+                  <a:schemeClr val="tx2"/>
+                </a:solidFill>
+                <a:effectLst/>
+                <a:latin typeface="Arial" charset="0"/>
+                <a:ea typeface="ＭＳ Ｐゴシック" charset="-128"/>
+                <a:cs typeface="ＭＳ Ｐゴシック" charset="-128"/>
+              </a:rPr>
+              <a:t>Immutable Master Data</a:t>
+            </a:r>
+          </a:p>
+          <a:p>
+            <a:pPr marL="0" marR="0" indent="0" algn="ctr" defTabSz="914400" rtl="0" eaLnBrk="0" fontAlgn="base" latinLnBrk="0" hangingPunct="0">
+              <a:lnSpc>
+                <a:spcPct val="100000"/>
+              </a:lnSpc>
+              <a:spcBef>
+                <a:spcPct val="0"/>
+              </a:spcBef>
+              <a:spcAft>
+                <a:spcPct val="0"/>
+              </a:spcAft>
+              <a:buClrTx/>
+              <a:buSzTx/>
+              <a:buFontTx/>
+              <a:buNone/>
+              <a:tabLst/>
+            </a:pPr>
+            <a:r>
+              <a:rPr lang="en-US" sz="1200" dirty="0" smtClean="0">
+                <a:solidFill>
+                  <a:schemeClr val="tx2"/>
+                </a:solidFill>
+                <a:latin typeface="Arial" charset="0"/>
+                <a:ea typeface="ＭＳ Ｐゴシック" charset="-128"/>
+                <a:cs typeface="ＭＳ Ｐゴシック" charset="-128"/>
+              </a:rPr>
+              <a:t>(Data Lake)</a:t>
+            </a:r>
+            <a:endParaRPr kumimoji="0" lang="de-DE" sz="1200" b="0" i="0" u="none" strike="noStrike" cap="none" normalizeH="0" baseline="0" dirty="0">
+              <a:ln>
+                <a:noFill/>
+              </a:ln>
+              <a:solidFill>
+                <a:schemeClr val="tx2"/>
+              </a:solidFill>
+              <a:effectLst/>
+              <a:latin typeface="Arial" charset="0"/>
+              <a:ea typeface="ＭＳ Ｐゴシック" charset="-128"/>
+              <a:cs typeface="ＭＳ Ｐゴシック" charset="-128"/>
+            </a:endParaRPr>
+          </a:p>
+        </p:txBody>
+      </p:sp>
+      <p:cxnSp>
+        <p:nvCxnSpPr>
+          <p:cNvPr id="20" name="Gewinkelter Verbinder 19"/>
+          <p:cNvCxnSpPr>
+            <a:stCxn id="16" idx="3"/>
+            <a:endCxn id="18" idx="0"/>
+          </p:cNvCxnSpPr>
+          <p:nvPr/>
+        </p:nvCxnSpPr>
+        <p:spPr bwMode="auto">
+          <a:xfrm>
+            <a:off x="3032321" y="3697096"/>
+            <a:ext cx="1423035" cy="1588312"/>
+          </a:xfrm>
+          <a:prstGeom prst="bentConnector2">
+            <a:avLst/>
+          </a:prstGeom>
+          <a:solidFill>
+            <a:schemeClr val="accent1"/>
+          </a:solidFill>
+          <a:ln w="9525" cap="flat" cmpd="sng" algn="ctr">
+            <a:solidFill>
+              <a:schemeClr val="tx1"/>
+            </a:solidFill>
+            <a:prstDash val="solid"/>
+            <a:round/>
+            <a:headEnd type="none" w="med" len="med"/>
+            <a:tailEnd type="triangle"/>
+          </a:ln>
+          <a:effectLst/>
+        </p:spPr>
+      </p:cxnSp>
+      <p:sp>
+        <p:nvSpPr>
+          <p:cNvPr id="22" name="Rechteck 21"/>
+          <p:cNvSpPr/>
+          <p:nvPr/>
+        </p:nvSpPr>
+        <p:spPr bwMode="auto">
+          <a:xfrm>
+            <a:off x="7768296" y="3048000"/>
+            <a:ext cx="1066800" cy="685800"/>
+          </a:xfrm>
+          <a:prstGeom prst="rect">
+            <a:avLst/>
+          </a:prstGeom>
+          <a:ln>
+            <a:headEnd type="none" w="med" len="med"/>
+            <a:tailEnd type="none" w="med" len="med"/>
+          </a:ln>
+        </p:spPr>
+        <p:style>
+          <a:lnRef idx="1">
+            <a:schemeClr val="dk1"/>
+          </a:lnRef>
+          <a:fillRef idx="2">
+            <a:schemeClr val="dk1"/>
+          </a:fillRef>
+          <a:effectRef idx="1">
+            <a:schemeClr val="dk1"/>
+          </a:effectRef>
+          <a:fontRef idx="minor">
+            <a:schemeClr val="dk1"/>
+          </a:fontRef>
+        </p:style>
+        <p:txBody>
+          <a:bodyPr vert="horz" wrap="square" lIns="91440" tIns="45720" rIns="91440" bIns="45720" numCol="1" rtlCol="0" anchor="t" anchorCtr="0" compatLnSpc="1">
+            <a:prstTxWarp prst="textNoShape">
+              <a:avLst/>
+            </a:prstTxWarp>
+          </a:bodyPr>
+          <a:lstStyle/>
+          <a:p>
+            <a:pPr marL="0" marR="0" indent="0" algn="ctr" defTabSz="914400" rtl="0" eaLnBrk="0" fontAlgn="base" latinLnBrk="0" hangingPunct="0">
+              <a:lnSpc>
+                <a:spcPct val="100000"/>
+              </a:lnSpc>
+              <a:spcBef>
+                <a:spcPct val="0"/>
+              </a:spcBef>
+              <a:spcAft>
+                <a:spcPct val="0"/>
+              </a:spcAft>
+              <a:buClrTx/>
+              <a:buSzTx/>
+              <a:buFontTx/>
+              <a:buNone/>
+              <a:tabLst/>
+            </a:pPr>
+            <a:r>
+              <a:rPr kumimoji="0" lang="en-US" sz="1800" b="0" i="0" u="none" strike="noStrike" cap="none" normalizeH="0" baseline="0" dirty="0" smtClean="0">
+                <a:ln>
+                  <a:noFill/>
+                </a:ln>
+                <a:solidFill>
+                  <a:schemeClr val="tx1"/>
+                </a:solidFill>
+                <a:effectLst/>
+                <a:latin typeface="Arial" charset="0"/>
+                <a:ea typeface="ＭＳ Ｐゴシック" charset="-128"/>
+                <a:cs typeface="ＭＳ Ｐゴシック" charset="-128"/>
+              </a:rPr>
+              <a:t>UI</a:t>
+            </a:r>
+          </a:p>
+          <a:p>
+            <a:pPr marL="0" marR="0" indent="0" algn="ctr" defTabSz="914400" rtl="0" eaLnBrk="0" fontAlgn="base" latinLnBrk="0" hangingPunct="0">
+              <a:lnSpc>
+                <a:spcPct val="100000"/>
+              </a:lnSpc>
+              <a:spcBef>
+                <a:spcPct val="0"/>
+              </a:spcBef>
+              <a:spcAft>
+                <a:spcPct val="0"/>
+              </a:spcAft>
+              <a:buClrTx/>
+              <a:buSzTx/>
+              <a:buFontTx/>
+              <a:buNone/>
+              <a:tabLst/>
+            </a:pPr>
+            <a:r>
+              <a:rPr lang="en-US" sz="1800" dirty="0" smtClean="0">
+                <a:solidFill>
+                  <a:schemeClr val="tx1"/>
+                </a:solidFill>
+                <a:latin typeface="Arial" charset="0"/>
+                <a:ea typeface="ＭＳ Ｐゴシック" charset="-128"/>
+                <a:cs typeface="ＭＳ Ｐゴシック" charset="-128"/>
+              </a:rPr>
+              <a:t>(BI)</a:t>
+            </a:r>
+            <a:endParaRPr kumimoji="0" lang="de-DE" sz="1800" b="0" i="0" u="none" strike="noStrike" cap="none" normalizeH="0" baseline="0" dirty="0">
+              <a:ln>
+                <a:noFill/>
+              </a:ln>
+              <a:solidFill>
+                <a:schemeClr val="tx1"/>
+              </a:solidFill>
+              <a:effectLst/>
+              <a:latin typeface="Arial" charset="0"/>
+              <a:ea typeface="ＭＳ Ｐゴシック" charset="-128"/>
+              <a:cs typeface="ＭＳ Ｐゴシック" charset="-128"/>
+            </a:endParaRPr>
+          </a:p>
+        </p:txBody>
+      </p:sp>
+      <p:sp>
+        <p:nvSpPr>
+          <p:cNvPr id="23" name="Rechteck 22"/>
+          <p:cNvSpPr/>
+          <p:nvPr/>
+        </p:nvSpPr>
+        <p:spPr bwMode="auto">
+          <a:xfrm>
+            <a:off x="6341891" y="3124200"/>
+            <a:ext cx="914400" cy="503453"/>
+          </a:xfrm>
+          <a:prstGeom prst="rect">
+            <a:avLst/>
+          </a:prstGeom>
+          <a:ln>
+            <a:headEnd type="none" w="med" len="med"/>
+            <a:tailEnd type="none" w="med" len="med"/>
+          </a:ln>
+        </p:spPr>
+        <p:style>
+          <a:lnRef idx="1">
+            <a:schemeClr val="accent2"/>
+          </a:lnRef>
+          <a:fillRef idx="2">
+            <a:schemeClr val="accent2"/>
+          </a:fillRef>
+          <a:effectRef idx="1">
+            <a:schemeClr val="accent2"/>
+          </a:effectRef>
+          <a:fontRef idx="minor">
+            <a:schemeClr val="dk1"/>
+          </a:fontRef>
+        </p:style>
+        <p:txBody>
+          <a:bodyPr vert="horz" wrap="square" lIns="91440" tIns="45720" rIns="91440" bIns="45720" numCol="1" rtlCol="0" anchor="t" anchorCtr="0" compatLnSpc="1">
+            <a:prstTxWarp prst="textNoShape">
+              <a:avLst/>
+            </a:prstTxWarp>
+          </a:bodyPr>
+          <a:lstStyle/>
+          <a:p>
+            <a:pPr marL="0" marR="0" indent="0" algn="ctr" defTabSz="914400" rtl="0" eaLnBrk="0" fontAlgn="base" latinLnBrk="0" hangingPunct="0">
+              <a:lnSpc>
+                <a:spcPct val="100000"/>
+              </a:lnSpc>
+              <a:spcBef>
+                <a:spcPct val="0"/>
+              </a:spcBef>
+              <a:spcAft>
+                <a:spcPct val="0"/>
+              </a:spcAft>
+              <a:buClrTx/>
+              <a:buSzTx/>
+              <a:buFontTx/>
+              <a:buNone/>
+              <a:tabLst/>
+            </a:pPr>
+            <a:r>
+              <a:rPr kumimoji="0" lang="en-US" sz="1200" b="0" i="0" u="none" strike="noStrike" cap="none" normalizeH="0" baseline="0" dirty="0" smtClean="0">
+                <a:ln>
+                  <a:noFill/>
+                </a:ln>
+                <a:solidFill>
+                  <a:schemeClr val="tx2"/>
+                </a:solidFill>
+                <a:effectLst/>
+                <a:latin typeface="Arial" charset="0"/>
+                <a:ea typeface="ＭＳ Ｐゴシック" charset="-128"/>
+                <a:cs typeface="ＭＳ Ｐゴシック" charset="-128"/>
+              </a:rPr>
+              <a:t>Query</a:t>
+            </a:r>
+            <a:endParaRPr kumimoji="0" lang="de-DE" sz="1200" b="0" i="0" u="none" strike="noStrike" cap="none" normalizeH="0" baseline="0" dirty="0">
+              <a:ln>
+                <a:noFill/>
+              </a:ln>
+              <a:solidFill>
+                <a:schemeClr val="tx2"/>
+              </a:solidFill>
+              <a:effectLst/>
+              <a:latin typeface="Arial" charset="0"/>
+              <a:ea typeface="ＭＳ Ｐゴシック" charset="-128"/>
+              <a:cs typeface="ＭＳ Ｐゴシック" charset="-128"/>
+            </a:endParaRPr>
+          </a:p>
+        </p:txBody>
+      </p:sp>
+      <p:sp>
+        <p:nvSpPr>
+          <p:cNvPr id="24" name="Rechteck 23"/>
+          <p:cNvSpPr/>
+          <p:nvPr/>
+        </p:nvSpPr>
+        <p:spPr bwMode="auto">
+          <a:xfrm>
+            <a:off x="3945108" y="2239747"/>
+            <a:ext cx="1850781" cy="503453"/>
+          </a:xfrm>
+          <a:prstGeom prst="rect">
+            <a:avLst/>
+          </a:prstGeom>
+          <a:ln>
+            <a:headEnd type="none" w="med" len="med"/>
+            <a:tailEnd type="none" w="med" len="med"/>
+          </a:ln>
+        </p:spPr>
+        <p:style>
+          <a:lnRef idx="1">
+            <a:schemeClr val="accent2"/>
+          </a:lnRef>
+          <a:fillRef idx="2">
+            <a:schemeClr val="accent2"/>
+          </a:fillRef>
+          <a:effectRef idx="1">
+            <a:schemeClr val="accent2"/>
+          </a:effectRef>
+          <a:fontRef idx="minor">
+            <a:schemeClr val="dk1"/>
+          </a:fontRef>
+        </p:style>
+        <p:txBody>
+          <a:bodyPr vert="horz" wrap="square" lIns="91440" tIns="45720" rIns="91440" bIns="45720" numCol="1" rtlCol="0" anchor="t" anchorCtr="0" compatLnSpc="1">
+            <a:prstTxWarp prst="textNoShape">
+              <a:avLst/>
+            </a:prstTxWarp>
+          </a:bodyPr>
+          <a:lstStyle/>
+          <a:p>
+            <a:pPr marL="0" marR="0" indent="0" algn="ctr" defTabSz="914400" rtl="0" eaLnBrk="0" fontAlgn="base" latinLnBrk="0" hangingPunct="0">
+              <a:lnSpc>
+                <a:spcPct val="100000"/>
+              </a:lnSpc>
+              <a:spcBef>
+                <a:spcPct val="0"/>
+              </a:spcBef>
+              <a:spcAft>
+                <a:spcPct val="0"/>
+              </a:spcAft>
+              <a:buClrTx/>
+              <a:buSzTx/>
+              <a:buFontTx/>
+              <a:buNone/>
+              <a:tabLst/>
+            </a:pPr>
+            <a:r>
+              <a:rPr kumimoji="0" lang="en-US" sz="1200" b="0" i="0" u="none" strike="noStrike" cap="none" normalizeH="0" baseline="0" dirty="0" smtClean="0">
+                <a:ln>
+                  <a:noFill/>
+                </a:ln>
+                <a:solidFill>
+                  <a:schemeClr val="tx2"/>
+                </a:solidFill>
+                <a:effectLst/>
+                <a:latin typeface="Arial" charset="0"/>
+                <a:ea typeface="ＭＳ Ｐゴシック" charset="-128"/>
+                <a:cs typeface="ＭＳ Ｐゴシック" charset="-128"/>
+              </a:rPr>
+              <a:t>Data</a:t>
+            </a:r>
+            <a:r>
+              <a:rPr kumimoji="0" lang="en-US" sz="1200" b="0" i="0" u="none" strike="noStrike" cap="none" normalizeH="0" dirty="0" smtClean="0">
+                <a:ln>
+                  <a:noFill/>
+                </a:ln>
+                <a:solidFill>
+                  <a:schemeClr val="tx2"/>
+                </a:solidFill>
+                <a:effectLst/>
+                <a:latin typeface="Arial" charset="0"/>
+                <a:ea typeface="ＭＳ Ｐゴシック" charset="-128"/>
+                <a:cs typeface="ＭＳ Ｐゴシック" charset="-128"/>
+              </a:rPr>
+              <a:t> Stream</a:t>
+            </a:r>
+          </a:p>
+          <a:p>
+            <a:pPr marL="0" marR="0" indent="0" algn="ctr" defTabSz="914400" rtl="0" eaLnBrk="0" fontAlgn="base" latinLnBrk="0" hangingPunct="0">
+              <a:lnSpc>
+                <a:spcPct val="100000"/>
+              </a:lnSpc>
+              <a:spcBef>
+                <a:spcPct val="0"/>
+              </a:spcBef>
+              <a:spcAft>
+                <a:spcPct val="0"/>
+              </a:spcAft>
+              <a:buClrTx/>
+              <a:buSzTx/>
+              <a:buFontTx/>
+              <a:buNone/>
+              <a:tabLst/>
+            </a:pPr>
+            <a:r>
+              <a:rPr lang="en-US" sz="1200" baseline="0" dirty="0" smtClean="0">
+                <a:solidFill>
+                  <a:schemeClr val="tx2"/>
+                </a:solidFill>
+                <a:latin typeface="Arial" charset="0"/>
+                <a:ea typeface="ＭＳ Ｐゴシック" charset="-128"/>
+                <a:cs typeface="ＭＳ Ｐゴシック" charset="-128"/>
+              </a:rPr>
+              <a:t>(Kafka,</a:t>
+            </a:r>
+            <a:r>
+              <a:rPr lang="en-US" sz="1200" dirty="0" smtClean="0">
+                <a:solidFill>
+                  <a:schemeClr val="tx2"/>
+                </a:solidFill>
+                <a:latin typeface="Arial" charset="0"/>
+                <a:ea typeface="ＭＳ Ｐゴシック" charset="-128"/>
+                <a:cs typeface="ＭＳ Ｐゴシック" charset="-128"/>
+              </a:rPr>
+              <a:t> Spark, …)</a:t>
+            </a:r>
+            <a:endParaRPr kumimoji="0" lang="de-DE" sz="1200" b="0" i="0" u="none" strike="noStrike" cap="none" normalizeH="0" baseline="0" dirty="0">
+              <a:ln>
+                <a:noFill/>
+              </a:ln>
+              <a:solidFill>
+                <a:schemeClr val="tx2"/>
+              </a:solidFill>
+              <a:effectLst/>
+              <a:latin typeface="Arial" charset="0"/>
+              <a:ea typeface="ＭＳ Ｐゴシック" charset="-128"/>
+              <a:cs typeface="ＭＳ Ｐゴシック" charset="-128"/>
+            </a:endParaRPr>
+          </a:p>
+        </p:txBody>
+      </p:sp>
+      <p:cxnSp>
+        <p:nvCxnSpPr>
+          <p:cNvPr id="26" name="Gewinkelter Verbinder 25"/>
+          <p:cNvCxnSpPr>
+            <a:stCxn id="16" idx="3"/>
+            <a:endCxn id="24" idx="1"/>
+          </p:cNvCxnSpPr>
+          <p:nvPr/>
+        </p:nvCxnSpPr>
+        <p:spPr bwMode="auto">
+          <a:xfrm flipV="1">
+            <a:off x="3032321" y="2491474"/>
+            <a:ext cx="912787" cy="1205622"/>
+          </a:xfrm>
+          <a:prstGeom prst="bentConnector3">
+            <a:avLst/>
+          </a:prstGeom>
+          <a:solidFill>
+            <a:schemeClr val="accent1"/>
+          </a:solidFill>
+          <a:ln w="9525" cap="flat" cmpd="sng" algn="ctr">
+            <a:solidFill>
+              <a:schemeClr val="tx1"/>
+            </a:solidFill>
+            <a:prstDash val="solid"/>
+            <a:round/>
+            <a:headEnd type="none" w="med" len="med"/>
+            <a:tailEnd type="triangle"/>
+          </a:ln>
+          <a:effectLst/>
+        </p:spPr>
+      </p:cxnSp>
+      <p:sp>
+        <p:nvSpPr>
+          <p:cNvPr id="28" name="Rechteck 27"/>
+          <p:cNvSpPr/>
+          <p:nvPr/>
+        </p:nvSpPr>
+        <p:spPr bwMode="auto">
+          <a:xfrm>
+            <a:off x="6265691" y="5133007"/>
+            <a:ext cx="1066800" cy="808253"/>
+          </a:xfrm>
+          <a:prstGeom prst="rect">
+            <a:avLst/>
+          </a:prstGeom>
+          <a:ln>
+            <a:headEnd type="none" w="med" len="med"/>
+            <a:tailEnd type="none" w="med" len="med"/>
+          </a:ln>
+        </p:spPr>
+        <p:style>
+          <a:lnRef idx="1">
+            <a:schemeClr val="accent2"/>
+          </a:lnRef>
+          <a:fillRef idx="2">
+            <a:schemeClr val="accent2"/>
+          </a:fillRef>
+          <a:effectRef idx="1">
+            <a:schemeClr val="accent2"/>
+          </a:effectRef>
+          <a:fontRef idx="minor">
+            <a:schemeClr val="dk1"/>
+          </a:fontRef>
+        </p:style>
+        <p:txBody>
+          <a:bodyPr vert="horz" wrap="square" lIns="91440" tIns="45720" rIns="91440" bIns="45720" numCol="1" rtlCol="0" anchor="t" anchorCtr="0" compatLnSpc="1">
+            <a:prstTxWarp prst="textNoShape">
+              <a:avLst/>
+            </a:prstTxWarp>
+          </a:bodyPr>
+          <a:lstStyle/>
+          <a:p>
+            <a:pPr marL="0" marR="0" indent="0" algn="ctr" defTabSz="914400" rtl="0" eaLnBrk="0" fontAlgn="base" latinLnBrk="0" hangingPunct="0">
+              <a:lnSpc>
+                <a:spcPct val="100000"/>
+              </a:lnSpc>
+              <a:spcBef>
+                <a:spcPct val="0"/>
+              </a:spcBef>
+              <a:spcAft>
+                <a:spcPct val="0"/>
+              </a:spcAft>
+              <a:buClrTx/>
+              <a:buSzTx/>
+              <a:buFontTx/>
+              <a:buNone/>
+              <a:tabLst/>
+            </a:pPr>
+            <a:r>
+              <a:rPr kumimoji="0" lang="en-US" sz="1200" b="0" i="0" u="none" strike="noStrike" cap="none" normalizeH="0" baseline="0" dirty="0" smtClean="0">
+                <a:ln>
+                  <a:noFill/>
+                </a:ln>
+                <a:solidFill>
+                  <a:schemeClr val="tx2"/>
+                </a:solidFill>
+                <a:effectLst/>
+                <a:latin typeface="Arial" charset="0"/>
+                <a:ea typeface="ＭＳ Ｐゴシック" charset="-128"/>
+                <a:cs typeface="ＭＳ Ｐゴシック" charset="-128"/>
+              </a:rPr>
+              <a:t>Views via Map and Reduce</a:t>
+            </a:r>
+          </a:p>
+          <a:p>
+            <a:pPr marL="0" marR="0" indent="0" algn="ctr" defTabSz="914400" rtl="0" eaLnBrk="0" fontAlgn="base" latinLnBrk="0" hangingPunct="0">
+              <a:lnSpc>
+                <a:spcPct val="100000"/>
+              </a:lnSpc>
+              <a:spcBef>
+                <a:spcPct val="0"/>
+              </a:spcBef>
+              <a:spcAft>
+                <a:spcPct val="0"/>
+              </a:spcAft>
+              <a:buClrTx/>
+              <a:buSzTx/>
+              <a:buFontTx/>
+              <a:buNone/>
+              <a:tabLst/>
+            </a:pPr>
+            <a:r>
+              <a:rPr lang="en-US" sz="1200" dirty="0" smtClean="0">
+                <a:solidFill>
+                  <a:schemeClr val="tx2"/>
+                </a:solidFill>
+                <a:latin typeface="Arial" charset="0"/>
+                <a:ea typeface="ＭＳ Ｐゴシック" charset="-128"/>
+                <a:cs typeface="ＭＳ Ｐゴシック" charset="-128"/>
+              </a:rPr>
+              <a:t>(</a:t>
+            </a:r>
+            <a:r>
+              <a:rPr lang="en-US" sz="1200" dirty="0" err="1" smtClean="0">
+                <a:solidFill>
+                  <a:schemeClr val="tx2"/>
+                </a:solidFill>
+                <a:latin typeface="Arial" charset="0"/>
+                <a:ea typeface="ＭＳ Ｐゴシック" charset="-128"/>
+                <a:cs typeface="ＭＳ Ｐゴシック" charset="-128"/>
+              </a:rPr>
+              <a:t>Haddop</a:t>
+            </a:r>
+            <a:r>
+              <a:rPr lang="en-US" sz="1200" dirty="0" smtClean="0">
+                <a:solidFill>
+                  <a:schemeClr val="tx2"/>
+                </a:solidFill>
+                <a:latin typeface="Arial" charset="0"/>
+                <a:ea typeface="ＭＳ Ｐゴシック" charset="-128"/>
+                <a:cs typeface="ＭＳ Ｐゴシック" charset="-128"/>
+              </a:rPr>
+              <a:t>)</a:t>
+            </a:r>
+            <a:endParaRPr kumimoji="0" lang="de-DE" sz="1200" b="0" i="0" u="none" strike="noStrike" cap="none" normalizeH="0" baseline="0" dirty="0">
+              <a:ln>
+                <a:noFill/>
+              </a:ln>
+              <a:solidFill>
+                <a:schemeClr val="tx2"/>
+              </a:solidFill>
+              <a:effectLst/>
+              <a:latin typeface="Arial" charset="0"/>
+              <a:ea typeface="ＭＳ Ｐゴシック" charset="-128"/>
+              <a:cs typeface="ＭＳ Ｐゴシック" charset="-128"/>
+            </a:endParaRPr>
+          </a:p>
+        </p:txBody>
+      </p:sp>
+      <p:cxnSp>
+        <p:nvCxnSpPr>
+          <p:cNvPr id="30" name="Gerade Verbindung mit Pfeil 29"/>
+          <p:cNvCxnSpPr>
+            <a:stCxn id="28" idx="1"/>
+            <a:endCxn id="18" idx="3"/>
+          </p:cNvCxnSpPr>
+          <p:nvPr/>
+        </p:nvCxnSpPr>
+        <p:spPr bwMode="auto">
+          <a:xfrm flipH="1">
+            <a:off x="5405511" y="5537134"/>
+            <a:ext cx="860180" cy="1"/>
+          </a:xfrm>
+          <a:prstGeom prst="straightConnector1">
+            <a:avLst/>
+          </a:prstGeom>
+          <a:solidFill>
+            <a:schemeClr val="accent1"/>
+          </a:solidFill>
+          <a:ln w="9525" cap="flat" cmpd="sng" algn="ctr">
+            <a:solidFill>
+              <a:schemeClr val="tx1"/>
+            </a:solidFill>
+            <a:prstDash val="solid"/>
+            <a:round/>
+            <a:headEnd type="none" w="med" len="med"/>
+            <a:tailEnd type="triangle"/>
+          </a:ln>
+          <a:effectLst/>
+        </p:spPr>
+      </p:cxnSp>
+      <p:cxnSp>
+        <p:nvCxnSpPr>
+          <p:cNvPr id="32" name="Gerade Verbindung mit Pfeil 31"/>
+          <p:cNvCxnSpPr>
+            <a:stCxn id="28" idx="0"/>
+            <a:endCxn id="23" idx="2"/>
+          </p:cNvCxnSpPr>
+          <p:nvPr/>
+        </p:nvCxnSpPr>
+        <p:spPr bwMode="auto">
+          <a:xfrm flipV="1">
+            <a:off x="6799091" y="3627653"/>
+            <a:ext cx="0" cy="1505354"/>
+          </a:xfrm>
+          <a:prstGeom prst="straightConnector1">
+            <a:avLst/>
+          </a:prstGeom>
+          <a:solidFill>
+            <a:schemeClr val="accent1"/>
+          </a:solidFill>
+          <a:ln w="9525" cap="flat" cmpd="sng" algn="ctr">
+            <a:solidFill>
+              <a:schemeClr val="tx1"/>
+            </a:solidFill>
+            <a:prstDash val="solid"/>
+            <a:round/>
+            <a:headEnd type="none" w="med" len="med"/>
+            <a:tailEnd type="triangle"/>
+          </a:ln>
+          <a:effectLst/>
+        </p:spPr>
+      </p:cxnSp>
+      <p:cxnSp>
+        <p:nvCxnSpPr>
+          <p:cNvPr id="40" name="Gewinkelter Verbinder 39"/>
+          <p:cNvCxnSpPr>
+            <a:endCxn id="23" idx="0"/>
+          </p:cNvCxnSpPr>
+          <p:nvPr/>
+        </p:nvCxnSpPr>
+        <p:spPr bwMode="auto">
+          <a:xfrm>
+            <a:off x="5867400" y="2514600"/>
+            <a:ext cx="931691" cy="609600"/>
+          </a:xfrm>
+          <a:prstGeom prst="bentConnector2">
+            <a:avLst/>
+          </a:prstGeom>
+          <a:solidFill>
+            <a:schemeClr val="accent1"/>
+          </a:solidFill>
+          <a:ln w="9525" cap="flat" cmpd="sng" algn="ctr">
+            <a:solidFill>
+              <a:schemeClr val="tx1"/>
+            </a:solidFill>
+            <a:prstDash val="solid"/>
+            <a:round/>
+            <a:headEnd type="none" w="med" len="med"/>
+            <a:tailEnd type="triangle"/>
+          </a:ln>
+          <a:effectLst/>
+        </p:spPr>
+      </p:cxnSp>
+      <p:cxnSp>
+        <p:nvCxnSpPr>
+          <p:cNvPr id="42" name="Gerade Verbindung mit Pfeil 41"/>
+          <p:cNvCxnSpPr>
+            <a:stCxn id="22" idx="1"/>
+            <a:endCxn id="23" idx="3"/>
+          </p:cNvCxnSpPr>
+          <p:nvPr/>
+        </p:nvCxnSpPr>
+        <p:spPr bwMode="auto">
+          <a:xfrm flipH="1" flipV="1">
+            <a:off x="7256291" y="3375927"/>
+            <a:ext cx="512005" cy="14973"/>
+          </a:xfrm>
+          <a:prstGeom prst="straightConnector1">
+            <a:avLst/>
+          </a:prstGeom>
+          <a:solidFill>
+            <a:schemeClr val="accent1"/>
+          </a:solidFill>
+          <a:ln w="9525" cap="flat" cmpd="sng" algn="ctr">
+            <a:solidFill>
+              <a:schemeClr val="tx1"/>
+            </a:solidFill>
+            <a:prstDash val="solid"/>
+            <a:round/>
+            <a:headEnd type="none" w="med" len="med"/>
+            <a:tailEnd type="triangle"/>
+          </a:ln>
+          <a:effectLst/>
+        </p:spPr>
+      </p:cxnSp>
+      <p:sp>
+        <p:nvSpPr>
+          <p:cNvPr id="59" name="Rechteck 58"/>
+          <p:cNvSpPr/>
+          <p:nvPr/>
+        </p:nvSpPr>
+        <p:spPr bwMode="auto">
+          <a:xfrm>
+            <a:off x="4798256" y="3786873"/>
+            <a:ext cx="1295400" cy="632727"/>
+          </a:xfrm>
+          <a:prstGeom prst="rect">
+            <a:avLst/>
+          </a:prstGeom>
+          <a:ln>
+            <a:headEnd type="none" w="med" len="med"/>
+            <a:tailEnd type="none" w="med" len="med"/>
+          </a:ln>
+        </p:spPr>
+        <p:style>
+          <a:lnRef idx="2">
+            <a:schemeClr val="accent3"/>
+          </a:lnRef>
+          <a:fillRef idx="1">
+            <a:schemeClr val="lt1"/>
+          </a:fillRef>
+          <a:effectRef idx="0">
+            <a:schemeClr val="accent3"/>
+          </a:effectRef>
+          <a:fontRef idx="minor">
+            <a:schemeClr val="dk1"/>
+          </a:fontRef>
+        </p:style>
+        <p:txBody>
+          <a:bodyPr vert="horz" wrap="square" lIns="91440" tIns="45720" rIns="91440" bIns="45720" numCol="1" rtlCol="0" anchor="t" anchorCtr="0" compatLnSpc="1">
+            <a:prstTxWarp prst="textNoShape">
+              <a:avLst/>
+            </a:prstTxWarp>
+          </a:bodyPr>
+          <a:lstStyle/>
+          <a:p>
+            <a:pPr marL="0" marR="0" indent="0" algn="ctr" defTabSz="914400" rtl="0" eaLnBrk="0" fontAlgn="base" latinLnBrk="0" hangingPunct="0">
+              <a:lnSpc>
+                <a:spcPct val="100000"/>
+              </a:lnSpc>
+              <a:spcBef>
+                <a:spcPct val="0"/>
+              </a:spcBef>
+              <a:spcAft>
+                <a:spcPct val="0"/>
+              </a:spcAft>
+              <a:buClrTx/>
+              <a:buSzTx/>
+              <a:buFontTx/>
+              <a:buNone/>
+              <a:tabLst/>
+            </a:pPr>
+            <a:r>
+              <a:rPr kumimoji="0" lang="en-US" sz="1200" b="0" i="0" u="none" strike="noStrike" cap="none" normalizeH="0" baseline="0" dirty="0" smtClean="0">
+                <a:ln>
+                  <a:noFill/>
+                </a:ln>
+                <a:solidFill>
+                  <a:schemeClr val="tx2"/>
+                </a:solidFill>
+                <a:effectLst/>
+                <a:latin typeface="Arial" charset="0"/>
+                <a:ea typeface="ＭＳ Ｐゴシック" charset="-128"/>
+                <a:cs typeface="ＭＳ Ｐゴシック" charset="-128"/>
+              </a:rPr>
+              <a:t>Data</a:t>
+            </a:r>
+            <a:r>
+              <a:rPr kumimoji="0" lang="en-US" sz="1200" b="0" i="0" u="none" strike="noStrike" cap="none" normalizeH="0" dirty="0" smtClean="0">
+                <a:ln>
+                  <a:noFill/>
+                </a:ln>
+                <a:solidFill>
+                  <a:schemeClr val="tx2"/>
+                </a:solidFill>
+                <a:effectLst/>
+                <a:latin typeface="Arial" charset="0"/>
+                <a:ea typeface="ＭＳ Ｐゴシック" charset="-128"/>
+                <a:cs typeface="ＭＳ Ｐゴシック" charset="-128"/>
+              </a:rPr>
+              <a:t> Analytics</a:t>
+            </a:r>
+          </a:p>
+          <a:p>
+            <a:pPr marL="0" marR="0" indent="0" algn="ctr" defTabSz="914400" rtl="0" eaLnBrk="0" fontAlgn="base" latinLnBrk="0" hangingPunct="0">
+              <a:lnSpc>
+                <a:spcPct val="100000"/>
+              </a:lnSpc>
+              <a:spcBef>
+                <a:spcPct val="0"/>
+              </a:spcBef>
+              <a:spcAft>
+                <a:spcPct val="0"/>
+              </a:spcAft>
+              <a:buClrTx/>
+              <a:buSzTx/>
+              <a:buFontTx/>
+              <a:buNone/>
+              <a:tabLst/>
+            </a:pPr>
+            <a:r>
+              <a:rPr lang="en-US" sz="1200" baseline="0" dirty="0" smtClean="0">
+                <a:solidFill>
+                  <a:schemeClr val="tx2"/>
+                </a:solidFill>
+                <a:latin typeface="Arial" charset="0"/>
+                <a:ea typeface="ＭＳ Ｐゴシック" charset="-128"/>
+                <a:cs typeface="ＭＳ Ｐゴシック" charset="-128"/>
+              </a:rPr>
+              <a:t>(Exploration, ML,…)</a:t>
+            </a:r>
+            <a:endParaRPr kumimoji="0" lang="de-DE" sz="1200" b="0" i="0" u="none" strike="noStrike" cap="none" normalizeH="0" baseline="0" dirty="0">
+              <a:ln>
+                <a:noFill/>
+              </a:ln>
+              <a:solidFill>
+                <a:schemeClr val="tx2"/>
+              </a:solidFill>
+              <a:effectLst/>
+              <a:latin typeface="Arial" charset="0"/>
+              <a:ea typeface="ＭＳ Ｐゴシック" charset="-128"/>
+              <a:cs typeface="ＭＳ Ｐゴシック" charset="-128"/>
+            </a:endParaRPr>
+          </a:p>
+        </p:txBody>
+      </p:sp>
+      <p:cxnSp>
+        <p:nvCxnSpPr>
+          <p:cNvPr id="61" name="Gewinkelter Verbinder 60"/>
+          <p:cNvCxnSpPr>
+            <a:stCxn id="59" idx="0"/>
+            <a:endCxn id="24" idx="2"/>
+          </p:cNvCxnSpPr>
+          <p:nvPr/>
+        </p:nvCxnSpPr>
+        <p:spPr bwMode="auto">
+          <a:xfrm rot="16200000" flipV="1">
+            <a:off x="4636392" y="2977308"/>
+            <a:ext cx="1043673" cy="575457"/>
+          </a:xfrm>
+          <a:prstGeom prst="bentConnector3">
+            <a:avLst/>
+          </a:prstGeom>
+          <a:solidFill>
+            <a:schemeClr val="accent1"/>
+          </a:solidFill>
+          <a:ln w="9525" cap="flat" cmpd="sng" algn="ctr">
+            <a:solidFill>
+              <a:schemeClr val="tx1"/>
+            </a:solidFill>
+            <a:prstDash val="dash"/>
+            <a:round/>
+            <a:headEnd type="none" w="med" len="med"/>
+            <a:tailEnd type="triangle"/>
+          </a:ln>
+          <a:effectLst/>
+        </p:spPr>
+      </p:cxnSp>
+      <p:cxnSp>
+        <p:nvCxnSpPr>
+          <p:cNvPr id="63" name="Gewinkelter Verbinder 62"/>
+          <p:cNvCxnSpPr>
+            <a:stCxn id="59" idx="2"/>
+            <a:endCxn id="28" idx="0"/>
+          </p:cNvCxnSpPr>
+          <p:nvPr/>
+        </p:nvCxnSpPr>
+        <p:spPr bwMode="auto">
+          <a:xfrm rot="16200000" flipH="1">
+            <a:off x="5765820" y="4099735"/>
+            <a:ext cx="713407" cy="1353135"/>
+          </a:xfrm>
+          <a:prstGeom prst="bentConnector3">
+            <a:avLst>
+              <a:gd name="adj1" fmla="val 32910"/>
+            </a:avLst>
+          </a:prstGeom>
+          <a:solidFill>
+            <a:schemeClr val="accent1"/>
+          </a:solidFill>
+          <a:ln w="9525" cap="flat" cmpd="sng" algn="ctr">
+            <a:solidFill>
+              <a:schemeClr val="tx1"/>
+            </a:solidFill>
+            <a:prstDash val="dash"/>
+            <a:round/>
+            <a:headEnd type="none" w="med" len="med"/>
+            <a:tailEnd type="triangle"/>
+          </a:ln>
+          <a:effectLst/>
+        </p:spPr>
+      </p:cxnSp>
+      <p:cxnSp>
+        <p:nvCxnSpPr>
+          <p:cNvPr id="65" name="Gewinkelter Verbinder 64"/>
+          <p:cNvCxnSpPr>
+            <a:stCxn id="59" idx="0"/>
+            <a:endCxn id="23" idx="1"/>
+          </p:cNvCxnSpPr>
+          <p:nvPr/>
+        </p:nvCxnSpPr>
+        <p:spPr bwMode="auto">
+          <a:xfrm rot="5400000" flipH="1" flipV="1">
+            <a:off x="5688450" y="3133433"/>
+            <a:ext cx="410946" cy="895935"/>
+          </a:xfrm>
+          <a:prstGeom prst="bentConnector2">
+            <a:avLst/>
+          </a:prstGeom>
+          <a:solidFill>
+            <a:schemeClr val="accent1"/>
+          </a:solidFill>
+          <a:ln w="9525" cap="flat" cmpd="sng" algn="ctr">
+            <a:solidFill>
+              <a:schemeClr val="tx1"/>
+            </a:solidFill>
+            <a:prstDash val="dash"/>
+            <a:round/>
+            <a:headEnd type="none" w="med" len="med"/>
+            <a:tailEnd type="triangle"/>
+          </a:ln>
+          <a:effectLst/>
+        </p:spPr>
+      </p:cxnSp>
+      <p:sp>
+        <p:nvSpPr>
+          <p:cNvPr id="69" name="Textfeld 68"/>
+          <p:cNvSpPr txBox="1"/>
+          <p:nvPr/>
+        </p:nvSpPr>
+        <p:spPr>
+          <a:xfrm>
+            <a:off x="5095717" y="6221947"/>
+            <a:ext cx="1003801" cy="276999"/>
+          </a:xfrm>
+          <a:prstGeom prst="rect">
+            <a:avLst/>
+          </a:prstGeom>
+          <a:noFill/>
+        </p:spPr>
+        <p:txBody>
+          <a:bodyPr wrap="none" rtlCol="0">
+            <a:spAutoFit/>
+          </a:bodyPr>
+          <a:lstStyle/>
+          <a:p>
+            <a:r>
+              <a:rPr lang="en-US" sz="1200" dirty="0" smtClean="0"/>
+              <a:t>Batch Layer</a:t>
+            </a:r>
+            <a:endParaRPr lang="de-DE" sz="1200" dirty="0"/>
+          </a:p>
+        </p:txBody>
+      </p:sp>
+      <p:sp>
+        <p:nvSpPr>
+          <p:cNvPr id="71" name="Textfeld 70"/>
+          <p:cNvSpPr txBox="1"/>
+          <p:nvPr/>
+        </p:nvSpPr>
+        <p:spPr>
+          <a:xfrm>
+            <a:off x="5060699" y="1781388"/>
+            <a:ext cx="1053494" cy="276999"/>
+          </a:xfrm>
+          <a:prstGeom prst="rect">
+            <a:avLst/>
+          </a:prstGeom>
+          <a:noFill/>
+        </p:spPr>
+        <p:txBody>
+          <a:bodyPr wrap="none" rtlCol="0">
+            <a:spAutoFit/>
+          </a:bodyPr>
+          <a:lstStyle/>
+          <a:p>
+            <a:r>
+              <a:rPr lang="en-US" sz="1200" dirty="0" smtClean="0"/>
+              <a:t>Speed Layer</a:t>
+            </a:r>
+            <a:endParaRPr lang="de-DE" sz="1200" dirty="0"/>
+          </a:p>
+        </p:txBody>
+      </p:sp>
+      <p:cxnSp>
+        <p:nvCxnSpPr>
+          <p:cNvPr id="73" name="Gerade Verbindung mit Pfeil 72"/>
+          <p:cNvCxnSpPr>
+            <a:stCxn id="5" idx="3"/>
+            <a:endCxn id="16" idx="1"/>
+          </p:cNvCxnSpPr>
+          <p:nvPr/>
+        </p:nvCxnSpPr>
+        <p:spPr bwMode="auto">
+          <a:xfrm>
+            <a:off x="914400" y="1981200"/>
+            <a:ext cx="1127321" cy="1715896"/>
+          </a:xfrm>
+          <a:prstGeom prst="straightConnector1">
+            <a:avLst/>
+          </a:prstGeom>
+          <a:solidFill>
+            <a:schemeClr val="accent1"/>
+          </a:solidFill>
+          <a:ln w="9525" cap="flat" cmpd="sng" algn="ctr">
+            <a:solidFill>
+              <a:schemeClr val="tx1"/>
+            </a:solidFill>
+            <a:prstDash val="solid"/>
+            <a:round/>
+            <a:headEnd type="none" w="med" len="med"/>
+            <a:tailEnd type="triangle"/>
+          </a:ln>
+          <a:effectLst/>
+        </p:spPr>
+      </p:cxnSp>
+      <p:cxnSp>
+        <p:nvCxnSpPr>
+          <p:cNvPr id="75" name="Gerade Verbindung mit Pfeil 74"/>
+          <p:cNvCxnSpPr>
+            <a:stCxn id="10" idx="3"/>
+            <a:endCxn id="16" idx="1"/>
+          </p:cNvCxnSpPr>
+          <p:nvPr/>
+        </p:nvCxnSpPr>
+        <p:spPr bwMode="auto">
+          <a:xfrm>
+            <a:off x="939898" y="2746718"/>
+            <a:ext cx="1101823" cy="950378"/>
+          </a:xfrm>
+          <a:prstGeom prst="straightConnector1">
+            <a:avLst/>
+          </a:prstGeom>
+          <a:solidFill>
+            <a:schemeClr val="accent1"/>
+          </a:solidFill>
+          <a:ln w="9525" cap="flat" cmpd="sng" algn="ctr">
+            <a:solidFill>
+              <a:schemeClr val="tx1"/>
+            </a:solidFill>
+            <a:prstDash val="solid"/>
+            <a:round/>
+            <a:headEnd type="none" w="med" len="med"/>
+            <a:tailEnd type="triangle"/>
+          </a:ln>
+          <a:effectLst/>
+        </p:spPr>
+      </p:cxnSp>
+      <p:cxnSp>
+        <p:nvCxnSpPr>
+          <p:cNvPr id="78" name="Gerade Verbindung mit Pfeil 77"/>
+          <p:cNvCxnSpPr>
+            <a:stCxn id="11" idx="3"/>
+            <a:endCxn id="16" idx="1"/>
+          </p:cNvCxnSpPr>
+          <p:nvPr/>
+        </p:nvCxnSpPr>
+        <p:spPr bwMode="auto">
+          <a:xfrm>
+            <a:off x="939898" y="3512236"/>
+            <a:ext cx="1101823" cy="184860"/>
+          </a:xfrm>
+          <a:prstGeom prst="straightConnector1">
+            <a:avLst/>
+          </a:prstGeom>
+          <a:solidFill>
+            <a:schemeClr val="accent1"/>
+          </a:solidFill>
+          <a:ln w="9525" cap="flat" cmpd="sng" algn="ctr">
+            <a:solidFill>
+              <a:schemeClr val="tx1"/>
+            </a:solidFill>
+            <a:prstDash val="solid"/>
+            <a:round/>
+            <a:headEnd type="none" w="med" len="med"/>
+            <a:tailEnd type="triangle"/>
+          </a:ln>
+          <a:effectLst/>
+        </p:spPr>
+      </p:cxnSp>
+      <p:cxnSp>
+        <p:nvCxnSpPr>
+          <p:cNvPr id="80" name="Gerade Verbindung mit Pfeil 79"/>
+          <p:cNvCxnSpPr>
+            <a:stCxn id="12" idx="3"/>
+            <a:endCxn id="16" idx="1"/>
+          </p:cNvCxnSpPr>
+          <p:nvPr/>
+        </p:nvCxnSpPr>
+        <p:spPr bwMode="auto">
+          <a:xfrm flipV="1">
+            <a:off x="939898" y="3697096"/>
+            <a:ext cx="1101823" cy="579485"/>
+          </a:xfrm>
+          <a:prstGeom prst="straightConnector1">
+            <a:avLst/>
+          </a:prstGeom>
+          <a:solidFill>
+            <a:schemeClr val="accent1"/>
+          </a:solidFill>
+          <a:ln w="9525" cap="flat" cmpd="sng" algn="ctr">
+            <a:solidFill>
+              <a:schemeClr val="tx1"/>
+            </a:solidFill>
+            <a:prstDash val="solid"/>
+            <a:round/>
+            <a:headEnd type="none" w="med" len="med"/>
+            <a:tailEnd type="triangle"/>
+          </a:ln>
+          <a:effectLst/>
+        </p:spPr>
+      </p:cxnSp>
+      <p:cxnSp>
+        <p:nvCxnSpPr>
+          <p:cNvPr id="82" name="Gerade Verbindung mit Pfeil 81"/>
+          <p:cNvCxnSpPr>
+            <a:stCxn id="13" idx="3"/>
+            <a:endCxn id="16" idx="1"/>
+          </p:cNvCxnSpPr>
+          <p:nvPr/>
+        </p:nvCxnSpPr>
+        <p:spPr bwMode="auto">
+          <a:xfrm flipV="1">
+            <a:off x="939898" y="3697096"/>
+            <a:ext cx="1101823" cy="1341485"/>
+          </a:xfrm>
+          <a:prstGeom prst="straightConnector1">
+            <a:avLst/>
+          </a:prstGeom>
+          <a:solidFill>
+            <a:schemeClr val="accent1"/>
+          </a:solidFill>
+          <a:ln w="9525" cap="flat" cmpd="sng" algn="ctr">
+            <a:solidFill>
+              <a:schemeClr val="tx1"/>
+            </a:solidFill>
+            <a:prstDash val="solid"/>
+            <a:round/>
+            <a:headEnd type="none" w="med" len="med"/>
+            <a:tailEnd type="triangle"/>
+          </a:ln>
+          <a:effectLst/>
+        </p:spPr>
+      </p:cxnSp>
+      <p:cxnSp>
+        <p:nvCxnSpPr>
+          <p:cNvPr id="84" name="Gerade Verbindung mit Pfeil 83"/>
+          <p:cNvCxnSpPr>
+            <a:stCxn id="14" idx="3"/>
+            <a:endCxn id="16" idx="1"/>
+          </p:cNvCxnSpPr>
+          <p:nvPr/>
+        </p:nvCxnSpPr>
+        <p:spPr bwMode="auto">
+          <a:xfrm flipV="1">
+            <a:off x="939898" y="3697096"/>
+            <a:ext cx="1101823" cy="2105830"/>
+          </a:xfrm>
+          <a:prstGeom prst="straightConnector1">
+            <a:avLst/>
+          </a:prstGeom>
+          <a:solidFill>
+            <a:schemeClr val="accent1"/>
+          </a:solidFill>
+          <a:ln w="9525" cap="flat" cmpd="sng" algn="ctr">
+            <a:solidFill>
+              <a:schemeClr val="tx1"/>
+            </a:solidFill>
+            <a:prstDash val="solid"/>
+            <a:round/>
+            <a:headEnd type="none" w="med" len="med"/>
+            <a:tailEnd type="triangle"/>
+          </a:ln>
+          <a:effectLst/>
+        </p:spPr>
+      </p:cxnSp>
+      <p:sp>
+        <p:nvSpPr>
+          <p:cNvPr id="85" name="Geschweifte Klammer rechts 84"/>
+          <p:cNvSpPr/>
+          <p:nvPr/>
+        </p:nvSpPr>
+        <p:spPr bwMode="auto">
+          <a:xfrm rot="16200000">
+            <a:off x="1461867" y="74506"/>
+            <a:ext cx="228600" cy="3096065"/>
+          </a:xfrm>
+          <a:prstGeom prst="rightBrace">
+            <a:avLst>
+              <a:gd name="adj1" fmla="val 42179"/>
+              <a:gd name="adj2" fmla="val 50000"/>
+            </a:avLst>
+          </a:prstGeom>
+          <a:ln>
+            <a:headEnd type="none" w="med" len="med"/>
+            <a:tailEnd type="none" w="med" len="med"/>
+          </a:ln>
+        </p:spPr>
+        <p:style>
+          <a:lnRef idx="2">
+            <a:schemeClr val="dk1"/>
+          </a:lnRef>
+          <a:fillRef idx="0">
+            <a:schemeClr val="dk1"/>
+          </a:fillRef>
+          <a:effectRef idx="1">
+            <a:schemeClr val="dk1"/>
+          </a:effectRef>
+          <a:fontRef idx="minor">
+            <a:schemeClr val="tx1"/>
+          </a:fontRef>
+        </p:style>
+        <p:txBody>
+          <a:bodyPr vert="horz" wrap="square" lIns="91440" tIns="45720" rIns="91440" bIns="45720" numCol="1" rtlCol="0" anchor="t" anchorCtr="0" compatLnSpc="1">
+            <a:prstTxWarp prst="textNoShape">
+              <a:avLst/>
+            </a:prstTxWarp>
+          </a:bodyPr>
+          <a:lstStyle/>
+          <a:p>
+            <a:pPr marL="0" marR="0" indent="0" algn="l" defTabSz="914400" rtl="0" eaLnBrk="0" fontAlgn="base" latinLnBrk="0" hangingPunct="0">
+              <a:lnSpc>
+                <a:spcPct val="100000"/>
+              </a:lnSpc>
+              <a:spcBef>
+                <a:spcPct val="0"/>
+              </a:spcBef>
+              <a:spcAft>
+                <a:spcPct val="0"/>
+              </a:spcAft>
+              <a:buClrTx/>
+              <a:buSzTx/>
+              <a:buFontTx/>
+              <a:buNone/>
+              <a:tabLst/>
+            </a:pPr>
+            <a:endParaRPr kumimoji="0" lang="de-DE" sz="2400" b="0" i="0" u="none" strike="noStrike" cap="none" normalizeH="0" baseline="0">
+              <a:ln>
+                <a:noFill/>
+              </a:ln>
+              <a:solidFill>
+                <a:schemeClr val="tx1"/>
+              </a:solidFill>
+              <a:effectLst/>
+              <a:latin typeface="Arial" charset="0"/>
+              <a:ea typeface="ＭＳ Ｐゴシック" charset="-128"/>
+              <a:cs typeface="ＭＳ Ｐゴシック" charset="-128"/>
+            </a:endParaRPr>
+          </a:p>
+        </p:txBody>
+      </p:sp>
+      <p:sp>
+        <p:nvSpPr>
+          <p:cNvPr id="94" name="Textfeld 93"/>
+          <p:cNvSpPr txBox="1"/>
+          <p:nvPr/>
+        </p:nvSpPr>
+        <p:spPr>
+          <a:xfrm>
+            <a:off x="1066800" y="1184231"/>
+            <a:ext cx="1160895" cy="307777"/>
+          </a:xfrm>
+          <a:prstGeom prst="rect">
+            <a:avLst/>
+          </a:prstGeom>
+          <a:noFill/>
+        </p:spPr>
+        <p:txBody>
+          <a:bodyPr wrap="none" rtlCol="0">
+            <a:spAutoFit/>
+          </a:bodyPr>
+          <a:lstStyle/>
+          <a:p>
+            <a:r>
+              <a:rPr lang="en-US" sz="1400" dirty="0" smtClean="0"/>
+              <a:t>Connectivity</a:t>
+            </a:r>
+            <a:endParaRPr lang="de-DE" sz="1400" dirty="0"/>
+          </a:p>
+        </p:txBody>
+      </p:sp>
+    </p:spTree>
+    <p:extLst>
+      <p:ext uri="{BB962C8B-B14F-4D97-AF65-F5344CB8AC3E}">
+        <p14:creationId xmlns:p14="http://schemas.microsoft.com/office/powerpoint/2010/main" val="480158475"/>
+      </p:ext>
+    </p:extLst>
+  </p:cSld>
+  <p:clrMapOvr>
+    <a:masterClrMapping/>
+  </p:clrMapOvr>
+  <p:timing>
+    <p:tnLst>
+      <p:par>
+        <p:cTn id="1" dur="indefinite" restart="never" nodeType="tmRoot"/>
+      </p:par>
+    </p:tnLst>
+  </p:timing>
+</p:sld>
+</file>
+
+<file path=ppt/slides/slide23.xml><?xml version="1.0" encoding="utf-8"?>
 <p:sld xmlns:a="http://schemas.openxmlformats.org/drawingml/2006/main" xmlns:r="http://schemas.openxmlformats.org/officeDocument/2006/relationships" xmlns:p="http://schemas.openxmlformats.org/presentationml/2006/main">
   <p:cSld>
     <p:spTree>
@@ -25861,10 +27719,17 @@
   <p:transition>
     <p:fade/>
   </p:transition>
+  <p:timing>
+    <p:tnLst>
+      <p:par>
+        <p:cTn id="1" dur="indefinite" restart="never" nodeType="tmRoot"/>
+      </p:par>
+    </p:tnLst>
+  </p:timing>
 </p:sld>
 </file>
 
-<file path=ppt/slides/slide23.xml><?xml version="1.0" encoding="utf-8"?>
+<file path=ppt/slides/slide24.xml><?xml version="1.0" encoding="utf-8"?>
 <p:sld xmlns:a="http://schemas.openxmlformats.org/drawingml/2006/main" xmlns:r="http://schemas.openxmlformats.org/officeDocument/2006/relationships" xmlns:p="http://schemas.openxmlformats.org/presentationml/2006/main">
   <p:cSld>
     <p:spTree>
@@ -26083,10 +27948,17 @@
   <p:clrMapOvr>
     <a:masterClrMapping/>
   </p:clrMapOvr>
+  <p:timing>
+    <p:tnLst>
+      <p:par>
+        <p:cTn id="1" dur="indefinite" restart="never" nodeType="tmRoot"/>
+      </p:par>
+    </p:tnLst>
+  </p:timing>
 </p:sld>
 </file>
 
-<file path=ppt/slides/slide24.xml><?xml version="1.0" encoding="utf-8"?>
+<file path=ppt/slides/slide25.xml><?xml version="1.0" encoding="utf-8"?>
 <p:sld xmlns:a="http://schemas.openxmlformats.org/drawingml/2006/main" xmlns:r="http://schemas.openxmlformats.org/officeDocument/2006/relationships" xmlns:p="http://schemas.openxmlformats.org/presentationml/2006/main">
   <p:cSld>
     <p:spTree>
@@ -26140,11 +28012,7 @@
             </a:pPr>
             <a:r>
               <a:rPr lang="en-US" sz="2400" dirty="0" smtClean="0"/>
-              <a:t> introduces </a:t>
-            </a:r>
-            <a:r>
-              <a:rPr lang="en-US" sz="2400" dirty="0" smtClean="0"/>
-              <a:t>objects for multidimensional arrays and matrices, as well as functions that allow to easily perform advanced mathematical and statistical operations on those objects</a:t>
+              <a:t> introduces objects for multidimensional arrays and matrices, as well as functions that allow to easily perform advanced mathematical and statistical operations on those objects</a:t>
             </a:r>
           </a:p>
           <a:p>
@@ -26167,11 +28035,7 @@
             </a:pPr>
             <a:r>
               <a:rPr lang="en-US" sz="2400" dirty="0" smtClean="0"/>
-              <a:t> provides </a:t>
-            </a:r>
-            <a:r>
-              <a:rPr lang="en-US" sz="2400" dirty="0" smtClean="0"/>
-              <a:t>vectorization of mathematical operations on arrays and matrices which significantly improves the performance</a:t>
+              <a:t> provides vectorization of mathematical operations on arrays and matrices which significantly improves the performance</a:t>
             </a:r>
           </a:p>
           <a:p>
@@ -26194,11 +28058,7 @@
             </a:pPr>
             <a:r>
               <a:rPr lang="en-US" sz="2400" dirty="0" smtClean="0"/>
-              <a:t> many </a:t>
-            </a:r>
-            <a:r>
-              <a:rPr lang="en-US" sz="2400" dirty="0" smtClean="0"/>
-              <a:t>other python libraries are built on </a:t>
+              <a:t> many other python libraries are built on </a:t>
             </a:r>
             <a:r>
               <a:rPr lang="en-US" sz="2400" dirty="0" err="1" smtClean="0"/>
@@ -26300,10 +28160,17 @@
   <p:clrMapOvr>
     <a:masterClrMapping/>
   </p:clrMapOvr>
+  <p:timing>
+    <p:tnLst>
+      <p:par>
+        <p:cTn id="1" dur="indefinite" restart="never" nodeType="tmRoot"/>
+      </p:par>
+    </p:tnLst>
+  </p:timing>
 </p:sld>
 </file>
 
-<file path=ppt/slides/slide25.xml><?xml version="1.0" encoding="utf-8"?>
+<file path=ppt/slides/slide26.xml><?xml version="1.0" encoding="utf-8"?>
 <p:sld xmlns:a="http://schemas.openxmlformats.org/drawingml/2006/main" xmlns:r="http://schemas.openxmlformats.org/officeDocument/2006/relationships" xmlns:p="http://schemas.openxmlformats.org/presentationml/2006/main">
   <p:cSld>
     <p:spTree>
@@ -26365,11 +28232,7 @@
             </a:pPr>
             <a:r>
               <a:rPr lang="en-US" sz="2800" dirty="0" smtClean="0"/>
-              <a:t> collection </a:t>
-            </a:r>
-            <a:r>
-              <a:rPr lang="en-US" sz="2800" dirty="0" smtClean="0"/>
-              <a:t>of algorithms for linear algebra, differential equations, numerical integration, optimization, statistics and more</a:t>
+              <a:t> collection of algorithms for linear algebra, differential equations, numerical integration, optimization, statistics and more</a:t>
             </a:r>
           </a:p>
           <a:p>
@@ -26392,11 +28255,7 @@
             </a:pPr>
             <a:r>
               <a:rPr lang="en-US" sz="2800" dirty="0" smtClean="0"/>
-              <a:t> part </a:t>
-            </a:r>
-            <a:r>
-              <a:rPr lang="en-US" sz="2800" dirty="0" smtClean="0"/>
-              <a:t>of </a:t>
+              <a:t> part of </a:t>
             </a:r>
             <a:r>
               <a:rPr lang="en-US" sz="2800" dirty="0" err="1" smtClean="0"/>
@@ -26427,11 +28286,7 @@
             </a:pPr>
             <a:r>
               <a:rPr lang="en-US" sz="2800" dirty="0" smtClean="0"/>
-              <a:t> built </a:t>
-            </a:r>
-            <a:r>
-              <a:rPr lang="en-US" sz="2800" dirty="0" smtClean="0"/>
-              <a:t>on </a:t>
+              <a:t> built on </a:t>
             </a:r>
             <a:r>
               <a:rPr lang="en-US" sz="2800" dirty="0" err="1" smtClean="0"/>
@@ -26538,10 +28393,17 @@
   <p:clrMapOvr>
     <a:masterClrMapping/>
   </p:clrMapOvr>
+  <p:timing>
+    <p:tnLst>
+      <p:par>
+        <p:cTn id="1" dur="indefinite" restart="never" nodeType="tmRoot"/>
+      </p:par>
+    </p:tnLst>
+  </p:timing>
 </p:sld>
 </file>
 
-<file path=ppt/slides/slide26.xml><?xml version="1.0" encoding="utf-8"?>
+<file path=ppt/slides/slide27.xml><?xml version="1.0" encoding="utf-8"?>
 <p:sld xmlns:a="http://schemas.openxmlformats.org/drawingml/2006/main" xmlns:r="http://schemas.openxmlformats.org/officeDocument/2006/relationships" xmlns:p="http://schemas.openxmlformats.org/presentationml/2006/main">
   <p:cSld>
     <p:spTree>
@@ -26594,11 +28456,7 @@
             </a:pPr>
             <a:r>
               <a:rPr lang="en-US" sz="2800" dirty="0" smtClean="0"/>
-              <a:t> adds </a:t>
-            </a:r>
-            <a:r>
-              <a:rPr lang="en-US" sz="2800" dirty="0" smtClean="0"/>
-              <a:t>data structures and tools designed to work with table-like data (similar to Series and Data Frames in R)</a:t>
+              <a:t> adds data structures and tools designed to work with table-like data (similar to Series and Data Frames in R)</a:t>
             </a:r>
           </a:p>
           <a:p>
@@ -26621,11 +28479,7 @@
             </a:pPr>
             <a:r>
               <a:rPr lang="en-US" sz="2800" dirty="0" smtClean="0"/>
-              <a:t> provides </a:t>
-            </a:r>
-            <a:r>
-              <a:rPr lang="en-US" sz="2800" dirty="0" smtClean="0"/>
-              <a:t>tools for data manipulation: reshaping, merging, sorting, slicing, aggregation etc.</a:t>
+              <a:t> provides tools for data manipulation: reshaping, merging, sorting, slicing, aggregation etc.</a:t>
             </a:r>
           </a:p>
           <a:p>
@@ -26648,11 +28502,7 @@
             </a:pPr>
             <a:r>
               <a:rPr lang="en-US" sz="2800" dirty="0" smtClean="0"/>
-              <a:t> allows </a:t>
-            </a:r>
-            <a:r>
-              <a:rPr lang="en-US" sz="2800" dirty="0" smtClean="0"/>
-              <a:t>handling missing data</a:t>
+              <a:t> allows handling missing data</a:t>
             </a:r>
             <a:endParaRPr lang="en-US" sz="2800" dirty="0"/>
           </a:p>
@@ -26750,10 +28600,17 @@
   <p:clrMapOvr>
     <a:masterClrMapping/>
   </p:clrMapOvr>
+  <p:timing>
+    <p:tnLst>
+      <p:par>
+        <p:cTn id="1" dur="indefinite" restart="never" nodeType="tmRoot"/>
+      </p:par>
+    </p:tnLst>
+  </p:timing>
 </p:sld>
 </file>
 
-<file path=ppt/slides/slide27.xml><?xml version="1.0" encoding="utf-8"?>
+<file path=ppt/slides/slide28.xml><?xml version="1.0" encoding="utf-8"?>
 <p:sld xmlns:a="http://schemas.openxmlformats.org/drawingml/2006/main" xmlns:r="http://schemas.openxmlformats.org/officeDocument/2006/relationships" xmlns:p="http://schemas.openxmlformats.org/presentationml/2006/main">
   <p:cSld>
     <p:spTree>
@@ -26850,11 +28707,7 @@
             </a:pPr>
             <a:r>
               <a:rPr lang="en-US" sz="2400" dirty="0" smtClean="0"/>
-              <a:t> provides </a:t>
-            </a:r>
-            <a:r>
-              <a:rPr lang="en-US" sz="2400" dirty="0" smtClean="0"/>
-              <a:t>machine learning algorithms: classification, regression, clustering, model validation etc.</a:t>
+              <a:t> provides machine learning algorithms: classification, regression, clustering, model validation etc.</a:t>
             </a:r>
           </a:p>
           <a:p>
@@ -26877,11 +28730,7 @@
             </a:pPr>
             <a:r>
               <a:rPr lang="en-US" sz="2400" dirty="0" smtClean="0"/>
-              <a:t> built </a:t>
-            </a:r>
-            <a:r>
-              <a:rPr lang="en-US" sz="2400" dirty="0" smtClean="0"/>
-              <a:t>on </a:t>
+              <a:t> built on </a:t>
             </a:r>
             <a:r>
               <a:rPr lang="en-US" sz="2400" dirty="0" err="1" smtClean="0"/>
@@ -26972,261 +28821,13 @@
   <p:clrMapOvr>
     <a:masterClrMapping/>
   </p:clrMapOvr>
-</p:sld>
-</file>
-
-<file path=ppt/slides/slide28.xml><?xml version="1.0" encoding="utf-8"?>
-<p:sld xmlns:a="http://schemas.openxmlformats.org/drawingml/2006/main" xmlns:r="http://schemas.openxmlformats.org/officeDocument/2006/relationships" xmlns:p="http://schemas.openxmlformats.org/presentationml/2006/main">
-  <p:cSld>
-    <p:spTree>
-      <p:nvGrpSpPr>
-        <p:cNvPr id="1" name=""/>
-        <p:cNvGrpSpPr/>
-        <p:nvPr/>
-      </p:nvGrpSpPr>
-      <p:grpSpPr>
-        <a:xfrm>
-          <a:off x="0" y="0"/>
-          <a:ext cx="0" cy="0"/>
-          <a:chOff x="0" y="0"/>
-          <a:chExt cx="0" cy="0"/>
-        </a:xfrm>
-      </p:grpSpPr>
-      <p:sp>
-        <p:nvSpPr>
-          <p:cNvPr id="3" name="Content Placeholder 2"/>
-          <p:cNvSpPr>
-            <a:spLocks noGrp="1"/>
-          </p:cNvSpPr>
-          <p:nvPr>
-            <p:ph idx="1"/>
-          </p:nvPr>
-        </p:nvSpPr>
-        <p:spPr/>
-        <p:txBody>
-          <a:bodyPr/>
-          <a:lstStyle/>
-          <a:p>
-            <a:pPr marL="0" indent="0">
-              <a:lnSpc>
-                <a:spcPct val="100000"/>
-              </a:lnSpc>
-              <a:buNone/>
-            </a:pPr>
-            <a:r>
-              <a:rPr lang="en-US" sz="2400" i="1" dirty="0" err="1" smtClean="0"/>
-              <a:t>matplotlib</a:t>
-            </a:r>
-            <a:r>
-              <a:rPr lang="en-US" sz="2400" i="1" dirty="0" smtClean="0"/>
-              <a:t>:</a:t>
-            </a:r>
-          </a:p>
-          <a:p>
-            <a:pPr lvl="1">
-              <a:lnSpc>
-                <a:spcPct val="100000"/>
-              </a:lnSpc>
-              <a:buFont typeface="Wingdings" panose="05000000000000000000" pitchFamily="2" charset="2"/>
-              <a:buChar char="§"/>
-            </a:pPr>
-            <a:r>
-              <a:rPr lang="en-US" sz="2400" dirty="0"/>
-              <a:t>p</a:t>
-            </a:r>
-            <a:r>
-              <a:rPr lang="en-US" sz="2400" dirty="0" smtClean="0"/>
-              <a:t>ython </a:t>
-            </a:r>
-            <a:r>
-              <a:rPr lang="en-US" sz="2400" dirty="0"/>
-              <a:t>2D plotting library which produces publication quality figures in a variety of hardcopy formats </a:t>
-            </a:r>
-            <a:endParaRPr lang="en-US" sz="2400" dirty="0" smtClean="0"/>
-          </a:p>
-          <a:p>
-            <a:pPr marL="342900" lvl="1" indent="0">
-              <a:lnSpc>
-                <a:spcPct val="100000"/>
-              </a:lnSpc>
-              <a:buNone/>
-            </a:pPr>
-            <a:endParaRPr lang="en-US" sz="2400" dirty="0"/>
-          </a:p>
-          <a:p>
-            <a:pPr lvl="1">
-              <a:lnSpc>
-                <a:spcPct val="100000"/>
-              </a:lnSpc>
-              <a:buFont typeface="Wingdings" panose="05000000000000000000" pitchFamily="2" charset="2"/>
-              <a:buChar char="§"/>
-            </a:pPr>
-            <a:r>
-              <a:rPr lang="en-US" sz="2400" dirty="0"/>
-              <a:t>a</a:t>
-            </a:r>
-            <a:r>
-              <a:rPr lang="en-US" sz="2400" dirty="0" smtClean="0"/>
-              <a:t> set of functionalities similar to those of MATLAB</a:t>
-            </a:r>
-          </a:p>
-          <a:p>
-            <a:pPr lvl="1">
-              <a:lnSpc>
-                <a:spcPct val="100000"/>
-              </a:lnSpc>
-              <a:buFont typeface="Wingdings" panose="05000000000000000000" pitchFamily="2" charset="2"/>
-              <a:buChar char="§"/>
-            </a:pPr>
-            <a:endParaRPr lang="en-US" sz="2400" dirty="0"/>
-          </a:p>
-          <a:p>
-            <a:pPr lvl="1">
-              <a:lnSpc>
-                <a:spcPct val="100000"/>
-              </a:lnSpc>
-              <a:buFont typeface="Wingdings" panose="05000000000000000000" pitchFamily="2" charset="2"/>
-              <a:buChar char="§"/>
-            </a:pPr>
-            <a:r>
-              <a:rPr lang="en-US" sz="2400" dirty="0" smtClean="0"/>
-              <a:t>line plots, scatter plots, </a:t>
-            </a:r>
-            <a:r>
-              <a:rPr lang="en-US" sz="2400" dirty="0" err="1" smtClean="0"/>
-              <a:t>barcharts</a:t>
-            </a:r>
-            <a:r>
-              <a:rPr lang="en-US" sz="2400" dirty="0" smtClean="0"/>
-              <a:t>, histograms, pie charts etc.</a:t>
-            </a:r>
-          </a:p>
-          <a:p>
-            <a:pPr lvl="1">
-              <a:lnSpc>
-                <a:spcPct val="100000"/>
-              </a:lnSpc>
-              <a:buFont typeface="Wingdings" panose="05000000000000000000" pitchFamily="2" charset="2"/>
-              <a:buChar char="§"/>
-            </a:pPr>
-            <a:endParaRPr lang="en-US" sz="2400" dirty="0"/>
-          </a:p>
-          <a:p>
-            <a:pPr lvl="1">
-              <a:lnSpc>
-                <a:spcPct val="100000"/>
-              </a:lnSpc>
-              <a:buFont typeface="Wingdings" panose="05000000000000000000" pitchFamily="2" charset="2"/>
-              <a:buChar char="§"/>
-            </a:pPr>
-            <a:r>
-              <a:rPr lang="en-US" sz="2400" dirty="0" smtClean="0"/>
-              <a:t>relatively low-level; some effort needed to create advanced visualization</a:t>
-            </a:r>
-          </a:p>
-          <a:p>
-            <a:pPr marL="342900" lvl="1" indent="0">
-              <a:lnSpc>
-                <a:spcPct val="100000"/>
-              </a:lnSpc>
-              <a:buNone/>
-            </a:pPr>
-            <a:endParaRPr lang="en-US" sz="2400" dirty="0" smtClean="0"/>
-          </a:p>
-        </p:txBody>
-      </p:sp>
-      <p:sp>
-        <p:nvSpPr>
-          <p:cNvPr id="2" name="Title 1"/>
-          <p:cNvSpPr>
-            <a:spLocks noGrp="1"/>
-          </p:cNvSpPr>
-          <p:nvPr>
-            <p:ph type="title"/>
-          </p:nvPr>
-        </p:nvSpPr>
-        <p:spPr/>
-        <p:txBody>
-          <a:bodyPr/>
-          <a:lstStyle/>
-          <a:p>
-            <a:r>
-              <a:rPr lang="en-US" dirty="0" err="1" smtClean="0"/>
-              <a:t>matplotlib</a:t>
-            </a:r>
-            <a:endParaRPr lang="en-US" dirty="0"/>
-          </a:p>
-        </p:txBody>
-      </p:sp>
-      <p:sp>
-        <p:nvSpPr>
-          <p:cNvPr id="4" name="Slide Number Placeholder 3"/>
-          <p:cNvSpPr>
-            <a:spLocks noGrp="1"/>
-          </p:cNvSpPr>
-          <p:nvPr>
-            <p:ph type="sldNum" sz="quarter" idx="4294967295"/>
-          </p:nvPr>
-        </p:nvSpPr>
-        <p:spPr/>
-        <p:txBody>
-          <a:bodyPr/>
-          <a:lstStyle/>
-          <a:p>
-            <a:endParaRPr lang="en-US" dirty="0"/>
-          </a:p>
-        </p:txBody>
-      </p:sp>
-      <p:sp>
-        <p:nvSpPr>
-          <p:cNvPr id="8" name="TextBox 7"/>
-          <p:cNvSpPr txBox="1"/>
-          <p:nvPr/>
-        </p:nvSpPr>
-        <p:spPr>
-          <a:xfrm>
-            <a:off x="1752600" y="1989138"/>
-            <a:ext cx="4240530" cy="369332"/>
-          </a:xfrm>
-          <a:prstGeom prst="rect">
-            <a:avLst/>
-          </a:prstGeom>
-          <a:noFill/>
-        </p:spPr>
-        <p:txBody>
-          <a:bodyPr wrap="square" rtlCol="0">
-            <a:spAutoFit/>
-          </a:bodyPr>
-          <a:lstStyle/>
-          <a:p>
-            <a:r>
-              <a:rPr lang="en-US" sz="1800" b="1" dirty="0"/>
-              <a:t>Link:</a:t>
-            </a:r>
-            <a:r>
-              <a:rPr lang="en-US" sz="1800" dirty="0"/>
-              <a:t> </a:t>
-            </a:r>
-            <a:r>
-              <a:rPr lang="en-US" sz="1800" dirty="0">
-                <a:hlinkClick r:id="rId2"/>
-              </a:rPr>
-              <a:t>https://matplotlib.org/</a:t>
-            </a:r>
-            <a:endParaRPr lang="en-US" sz="1800" dirty="0"/>
-          </a:p>
-        </p:txBody>
-      </p:sp>
-    </p:spTree>
-    <p:extLst>
-      <p:ext uri="{BB962C8B-B14F-4D97-AF65-F5344CB8AC3E}">
-        <p14:creationId xmlns:p14="http://schemas.microsoft.com/office/powerpoint/2010/main" val="2917372104"/>
-      </p:ext>
-    </p:extLst>
-  </p:cSld>
-  <p:clrMapOvr>
-    <a:masterClrMapping/>
-  </p:clrMapOvr>
+  <p:timing>
+    <p:tnLst>
+      <p:par>
+        <p:cTn id="1" dur="indefinite" restart="never" nodeType="tmRoot"/>
+      </p:par>
+    </p:tnLst>
+  </p:timing>
 </p:sld>
 </file>
 
@@ -27270,7 +28871,7 @@
             </a:pPr>
             <a:r>
               <a:rPr lang="en-US" sz="2400" i="1" dirty="0" err="1" smtClean="0"/>
-              <a:t>Seaborn</a:t>
+              <a:t>matplotlib</a:t>
             </a:r>
             <a:r>
               <a:rPr lang="en-US" sz="2400" i="1" dirty="0" smtClean="0"/>
@@ -27286,20 +28887,16 @@
               <a:buChar char="§"/>
             </a:pPr>
             <a:r>
+              <a:rPr lang="en-US" sz="2400" dirty="0"/>
+              <a:t>p</a:t>
+            </a:r>
+            <a:r>
               <a:rPr lang="en-US" sz="2400" dirty="0" smtClean="0"/>
-              <a:t>  based </a:t>
-            </a:r>
-            <a:r>
-              <a:rPr lang="en-US" sz="2400" dirty="0" smtClean="0"/>
-              <a:t>on </a:t>
-            </a:r>
-            <a:r>
-              <a:rPr lang="en-US" sz="2400" dirty="0" err="1" smtClean="0"/>
-              <a:t>matplotlib</a:t>
+              <a:t>ython </a:t>
             </a:r>
             <a:r>
               <a:rPr lang="en-US" sz="2400" dirty="0"/>
-              <a:t> </a:t>
+              <a:t>2D plotting library which produces publication quality figures in a variety of hardcopy formats </a:t>
             </a:r>
             <a:endParaRPr lang="en-US" sz="2400" dirty="0" smtClean="0"/>
           </a:p>
@@ -27321,12 +28918,12 @@
               <a:buChar char="§"/>
             </a:pPr>
             <a:r>
+              <a:rPr lang="en-US" sz="2400" dirty="0"/>
+              <a:t>a</a:t>
+            </a:r>
+            <a:r>
               <a:rPr lang="en-US" sz="2400" dirty="0" smtClean="0"/>
-              <a:t> provides </a:t>
-            </a:r>
-            <a:r>
-              <a:rPr lang="en-US" sz="2400" dirty="0" smtClean="0"/>
-              <a:t>high level interface for drawing attractive statistical graphics</a:t>
+              <a:t> set of functionalities similar to those of MATLAB</a:t>
             </a:r>
           </a:p>
           <a:p>
@@ -27349,11 +28946,38 @@
             </a:pPr>
             <a:r>
               <a:rPr lang="en-US" sz="2400" dirty="0" smtClean="0"/>
-              <a:t> Similar </a:t>
+              <a:t>line plots, scatter plots, </a:t>
+            </a:r>
+            <a:r>
+              <a:rPr lang="en-US" sz="2400" dirty="0" err="1" smtClean="0"/>
+              <a:t>barcharts</a:t>
             </a:r>
             <a:r>
               <a:rPr lang="en-US" sz="2400" dirty="0" smtClean="0"/>
-              <a:t>(in style) to the popular ggplot2 library in R</a:t>
+              <a:t>, histograms, pie charts etc.</a:t>
+            </a:r>
+          </a:p>
+          <a:p>
+            <a:pPr lvl="1">
+              <a:lnSpc>
+                <a:spcPct val="100000"/>
+              </a:lnSpc>
+              <a:buFont typeface="Wingdings" panose="05000000000000000000" pitchFamily="2" charset="2"/>
+              <a:buChar char="§"/>
+            </a:pPr>
+            <a:endParaRPr lang="en-US" sz="2400" dirty="0"/>
+          </a:p>
+          <a:p>
+            <a:pPr lvl="1">
+              <a:lnSpc>
+                <a:spcPct val="100000"/>
+              </a:lnSpc>
+              <a:buFont typeface="Wingdings" panose="05000000000000000000" pitchFamily="2" charset="2"/>
+              <a:buChar char="§"/>
+            </a:pPr>
+            <a:r>
+              <a:rPr lang="en-US" sz="2400" dirty="0" smtClean="0"/>
+              <a:t>relatively low-level; some effort needed to create advanced visualization</a:t>
             </a:r>
           </a:p>
           <a:p>
@@ -27363,7 +28987,7 @@
               </a:lnSpc>
               <a:buNone/>
             </a:pPr>
-            <a:endParaRPr lang="en-US" sz="2400" dirty="0"/>
+            <a:endParaRPr lang="en-US" sz="2400" dirty="0" smtClean="0"/>
           </a:p>
         </p:txBody>
       </p:sp>
@@ -27383,8 +29007,8 @@
           <a:lstStyle/>
           <a:p>
             <a:r>
-              <a:rPr lang="en-US" dirty="0" smtClean="0"/>
-              <a:t>Python Libraries for Data Science</a:t>
+              <a:rPr lang="en-US" dirty="0" err="1" smtClean="0"/>
+              <a:t>matplotlib</a:t>
             </a:r>
             <a:endParaRPr lang="en-US" dirty="0"/>
           </a:p>
@@ -27417,7 +29041,7 @@
         </p:nvSpPr>
         <p:spPr>
           <a:xfrm>
-            <a:off x="1676400" y="1989924"/>
+            <a:off x="1752600" y="1989138"/>
             <a:ext cx="4240530" cy="369332"/>
           </a:xfrm>
           <a:prstGeom prst="rect">
@@ -27443,7 +29067,7 @@
               <a:rPr lang="en-US" sz="1800" dirty="0">
                 <a:hlinkClick r:id="rId2"/>
               </a:rPr>
-              <a:t>https://seaborn.pydata.org/</a:t>
+              <a:t>https://matplotlib.org/</a:t>
             </a:r>
             <a:endParaRPr lang="en-US" sz="1800" dirty="0"/>
           </a:p>
@@ -27452,13 +29076,20 @@
     </p:spTree>
     <p:extLst>
       <p:ext uri="{BB962C8B-B14F-4D97-AF65-F5344CB8AC3E}">
-        <p14:creationId xmlns:p14="http://schemas.microsoft.com/office/powerpoint/2010/main" val="1220337268"/>
+        <p14:creationId xmlns:p14="http://schemas.microsoft.com/office/powerpoint/2010/main" val="2917372104"/>
       </p:ext>
     </p:extLst>
   </p:cSld>
   <p:clrMapOvr>
     <a:masterClrMapping/>
   </p:clrMapOvr>
+  <p:timing>
+    <p:tnLst>
+      <p:par>
+        <p:cTn id="1" dur="indefinite" restart="never" nodeType="tmRoot"/>
+      </p:par>
+    </p:tnLst>
+  </p:timing>
 </p:sld>
 </file>
 
@@ -27481,27 +29112,28 @@
       </p:grpSpPr>
       <p:pic>
         <p:nvPicPr>
-          <p:cNvPr id="2" name="Picture 1"/>
+          <p:cNvPr id="3" name="Grafik 2"/>
           <p:cNvPicPr>
             <a:picLocks noChangeAspect="1"/>
           </p:cNvPicPr>
           <p:nvPr/>
         </p:nvPicPr>
-        <p:blipFill rotWithShape="1">
-          <a:blip r:embed="rId2" cstate="email">
+        <p:blipFill>
+          <a:blip r:embed="rId2">
             <a:extLst>
               <a:ext uri="{28A0092B-C50C-407E-A947-70E740481C1C}">
-                <a14:useLocalDpi xmlns:a14="http://schemas.microsoft.com/office/drawing/2010/main"/>
+                <a14:useLocalDpi xmlns:a14="http://schemas.microsoft.com/office/drawing/2010/main" val="0"/>
               </a:ext>
             </a:extLst>
           </a:blip>
-          <a:srcRect/>
-          <a:stretch/>
+          <a:stretch>
+            <a:fillRect/>
+          </a:stretch>
         </p:blipFill>
         <p:spPr>
           <a:xfrm>
-            <a:off x="0" y="1371600"/>
-            <a:ext cx="9139625" cy="5142770"/>
+            <a:off x="0" y="1295400"/>
+            <a:ext cx="9144000" cy="5218771"/>
           </a:xfrm>
           <a:prstGeom prst="rect">
             <a:avLst/>
@@ -27526,10 +29158,244 @@
       <p:transition spd="slow"/>
     </mc:Fallback>
   </mc:AlternateContent>
+  <p:timing>
+    <p:tnLst>
+      <p:par>
+        <p:cTn id="1" dur="indefinite" restart="never" nodeType="tmRoot"/>
+      </p:par>
+    </p:tnLst>
+  </p:timing>
 </p:sld>
 </file>
 
 <file path=ppt/slides/slide30.xml><?xml version="1.0" encoding="utf-8"?>
+<p:sld xmlns:a="http://schemas.openxmlformats.org/drawingml/2006/main" xmlns:r="http://schemas.openxmlformats.org/officeDocument/2006/relationships" xmlns:p="http://schemas.openxmlformats.org/presentationml/2006/main">
+  <p:cSld>
+    <p:spTree>
+      <p:nvGrpSpPr>
+        <p:cNvPr id="1" name=""/>
+        <p:cNvGrpSpPr/>
+        <p:nvPr/>
+      </p:nvGrpSpPr>
+      <p:grpSpPr>
+        <a:xfrm>
+          <a:off x="0" y="0"/>
+          <a:ext cx="0" cy="0"/>
+          <a:chOff x="0" y="0"/>
+          <a:chExt cx="0" cy="0"/>
+        </a:xfrm>
+      </p:grpSpPr>
+      <p:sp>
+        <p:nvSpPr>
+          <p:cNvPr id="3" name="Content Placeholder 2"/>
+          <p:cNvSpPr>
+            <a:spLocks noGrp="1"/>
+          </p:cNvSpPr>
+          <p:nvPr>
+            <p:ph idx="1"/>
+          </p:nvPr>
+        </p:nvSpPr>
+        <p:spPr/>
+        <p:txBody>
+          <a:bodyPr/>
+          <a:lstStyle/>
+          <a:p>
+            <a:pPr marL="0" indent="0">
+              <a:lnSpc>
+                <a:spcPct val="100000"/>
+              </a:lnSpc>
+              <a:buNone/>
+            </a:pPr>
+            <a:r>
+              <a:rPr lang="en-US" sz="2400" i="1" dirty="0" err="1" smtClean="0"/>
+              <a:t>Seaborn</a:t>
+            </a:r>
+            <a:r>
+              <a:rPr lang="en-US" sz="2400" i="1" dirty="0" smtClean="0"/>
+              <a:t>:</a:t>
+            </a:r>
+          </a:p>
+          <a:p>
+            <a:pPr lvl="1">
+              <a:lnSpc>
+                <a:spcPct val="100000"/>
+              </a:lnSpc>
+              <a:buFont typeface="Wingdings" panose="05000000000000000000" pitchFamily="2" charset="2"/>
+              <a:buChar char="§"/>
+            </a:pPr>
+            <a:r>
+              <a:rPr lang="en-US" sz="2400" dirty="0" smtClean="0"/>
+              <a:t>  based on </a:t>
+            </a:r>
+            <a:r>
+              <a:rPr lang="en-US" sz="2400" dirty="0" err="1" smtClean="0"/>
+              <a:t>matplotlib</a:t>
+            </a:r>
+            <a:r>
+              <a:rPr lang="en-US" sz="2400" dirty="0"/>
+              <a:t> </a:t>
+            </a:r>
+            <a:endParaRPr lang="en-US" sz="2400" dirty="0" smtClean="0"/>
+          </a:p>
+          <a:p>
+            <a:pPr marL="342900" lvl="1" indent="0">
+              <a:lnSpc>
+                <a:spcPct val="100000"/>
+              </a:lnSpc>
+              <a:buNone/>
+            </a:pPr>
+            <a:endParaRPr lang="en-US" sz="2400" dirty="0"/>
+          </a:p>
+          <a:p>
+            <a:pPr lvl="1">
+              <a:lnSpc>
+                <a:spcPct val="100000"/>
+              </a:lnSpc>
+              <a:buFont typeface="Wingdings" panose="05000000000000000000" pitchFamily="2" charset="2"/>
+              <a:buChar char="§"/>
+            </a:pPr>
+            <a:r>
+              <a:rPr lang="en-US" sz="2400" dirty="0" smtClean="0"/>
+              <a:t> provides high level interface for drawing attractive statistical graphics</a:t>
+            </a:r>
+          </a:p>
+          <a:p>
+            <a:pPr lvl="1">
+              <a:lnSpc>
+                <a:spcPct val="100000"/>
+              </a:lnSpc>
+              <a:buFont typeface="Wingdings" panose="05000000000000000000" pitchFamily="2" charset="2"/>
+              <a:buChar char="§"/>
+            </a:pPr>
+            <a:endParaRPr lang="en-US" sz="2400" dirty="0"/>
+          </a:p>
+          <a:p>
+            <a:pPr lvl="1">
+              <a:lnSpc>
+                <a:spcPct val="100000"/>
+              </a:lnSpc>
+              <a:buFont typeface="Wingdings" panose="05000000000000000000" pitchFamily="2" charset="2"/>
+              <a:buChar char="§"/>
+            </a:pPr>
+            <a:r>
+              <a:rPr lang="en-US" sz="2400" dirty="0" smtClean="0"/>
+              <a:t> Similar (in style) to the popular ggplot2 library in R</a:t>
+            </a:r>
+          </a:p>
+          <a:p>
+            <a:pPr marL="342900" lvl="1" indent="0">
+              <a:lnSpc>
+                <a:spcPct val="100000"/>
+              </a:lnSpc>
+              <a:buNone/>
+            </a:pPr>
+            <a:endParaRPr lang="en-US" sz="2400" dirty="0"/>
+          </a:p>
+        </p:txBody>
+      </p:sp>
+      <p:sp>
+        <p:nvSpPr>
+          <p:cNvPr id="2" name="Title 1"/>
+          <p:cNvSpPr>
+            <a:spLocks noGrp="1"/>
+          </p:cNvSpPr>
+          <p:nvPr>
+            <p:ph type="title"/>
+          </p:nvPr>
+        </p:nvSpPr>
+        <p:spPr/>
+        <p:txBody>
+          <a:bodyPr/>
+          <a:lstStyle/>
+          <a:p>
+            <a:r>
+              <a:rPr lang="en-US" dirty="0" smtClean="0"/>
+              <a:t>Python Libraries for Data Science</a:t>
+            </a:r>
+            <a:endParaRPr lang="en-US" dirty="0"/>
+          </a:p>
+        </p:txBody>
+      </p:sp>
+      <p:sp>
+        <p:nvSpPr>
+          <p:cNvPr id="4" name="Slide Number Placeholder 3"/>
+          <p:cNvSpPr>
+            <a:spLocks noGrp="1"/>
+          </p:cNvSpPr>
+          <p:nvPr>
+            <p:ph type="sldNum" sz="quarter" idx="4294967295"/>
+          </p:nvPr>
+        </p:nvSpPr>
+        <p:spPr/>
+        <p:txBody>
+          <a:bodyPr/>
+          <a:lstStyle/>
+          <a:p>
+            <a:endParaRPr lang="en-US" dirty="0"/>
+          </a:p>
+        </p:txBody>
+      </p:sp>
+      <p:sp>
+        <p:nvSpPr>
+          <p:cNvPr id="8" name="TextBox 7"/>
+          <p:cNvSpPr txBox="1"/>
+          <p:nvPr/>
+        </p:nvSpPr>
+        <p:spPr>
+          <a:xfrm>
+            <a:off x="1676400" y="1989924"/>
+            <a:ext cx="4240530" cy="369332"/>
+          </a:xfrm>
+          <a:prstGeom prst="rect">
+            <a:avLst/>
+          </a:prstGeom>
+          <a:noFill/>
+        </p:spPr>
+        <p:txBody>
+          <a:bodyPr wrap="square" rtlCol="0">
+            <a:spAutoFit/>
+          </a:bodyPr>
+          <a:lstStyle/>
+          <a:p>
+            <a:r>
+              <a:rPr lang="en-US" sz="1800" b="1" dirty="0"/>
+              <a:t>Link:</a:t>
+            </a:r>
+            <a:r>
+              <a:rPr lang="en-US" sz="1800" dirty="0"/>
+              <a:t> </a:t>
+            </a:r>
+            <a:r>
+              <a:rPr lang="en-US" sz="1800" dirty="0">
+                <a:hlinkClick r:id="rId2"/>
+              </a:rPr>
+              <a:t>https://seaborn.pydata.org/</a:t>
+            </a:r>
+            <a:endParaRPr lang="en-US" sz="1800" dirty="0"/>
+          </a:p>
+        </p:txBody>
+      </p:sp>
+    </p:spTree>
+    <p:extLst>
+      <p:ext uri="{BB962C8B-B14F-4D97-AF65-F5344CB8AC3E}">
+        <p14:creationId xmlns:p14="http://schemas.microsoft.com/office/powerpoint/2010/main" val="1220337268"/>
+      </p:ext>
+    </p:extLst>
+  </p:cSld>
+  <p:clrMapOvr>
+    <a:masterClrMapping/>
+  </p:clrMapOvr>
+  <p:timing>
+    <p:tnLst>
+      <p:par>
+        <p:cTn id="1" dur="indefinite" restart="never" nodeType="tmRoot"/>
+      </p:par>
+    </p:tnLst>
+  </p:timing>
+</p:sld>
+</file>
+
+<file path=ppt/slides/slide31.xml><?xml version="1.0" encoding="utf-8"?>
 <p:sld xmlns:a="http://schemas.openxmlformats.org/drawingml/2006/main" xmlns:r="http://schemas.openxmlformats.org/officeDocument/2006/relationships" xmlns:p="http://schemas.openxmlformats.org/presentationml/2006/main">
   <p:cSld>
     <p:spTree>
@@ -28012,10 +29878,17 @@
   <p:clrMapOvr>
     <a:masterClrMapping/>
   </p:clrMapOvr>
+  <p:timing>
+    <p:tnLst>
+      <p:par>
+        <p:cTn id="1" dur="indefinite" restart="never" nodeType="tmRoot"/>
+      </p:par>
+    </p:tnLst>
+  </p:timing>
 </p:sld>
 </file>
 
-<file path=ppt/slides/slide31.xml><?xml version="1.0" encoding="utf-8"?>
+<file path=ppt/slides/slide32.xml><?xml version="1.0" encoding="utf-8"?>
 <p:sld xmlns:a="http://schemas.openxmlformats.org/drawingml/2006/main" xmlns:r="http://schemas.openxmlformats.org/officeDocument/2006/relationships" xmlns:p="http://schemas.openxmlformats.org/presentationml/2006/main">
   <p:cSld>
     <p:spTree>
@@ -28567,10 +30440,17 @@
   <p:clrMapOvr>
     <a:masterClrMapping/>
   </p:clrMapOvr>
+  <p:timing>
+    <p:tnLst>
+      <p:par>
+        <p:cTn id="1" dur="indefinite" restart="never" nodeType="tmRoot"/>
+      </p:par>
+    </p:tnLst>
+  </p:timing>
 </p:sld>
 </file>
 
-<file path=ppt/slides/slide32.xml><?xml version="1.0" encoding="utf-8"?>
+<file path=ppt/slides/slide33.xml><?xml version="1.0" encoding="utf-8"?>
 <p:sld xmlns:a="http://schemas.openxmlformats.org/drawingml/2006/main" xmlns:r="http://schemas.openxmlformats.org/officeDocument/2006/relationships" xmlns:p="http://schemas.openxmlformats.org/presentationml/2006/main">
   <p:cSld>
     <p:spTree>
@@ -29056,196 +30936,13 @@
   <p:clrMapOvr>
     <a:masterClrMapping/>
   </p:clrMapOvr>
-</p:sld>
-</file>
-
-<file path=ppt/slides/slide33.xml><?xml version="1.0" encoding="utf-8"?>
-<p:sld xmlns:a="http://schemas.openxmlformats.org/drawingml/2006/main" xmlns:r="http://schemas.openxmlformats.org/officeDocument/2006/relationships" xmlns:p="http://schemas.openxmlformats.org/presentationml/2006/main">
-  <p:cSld>
-    <p:spTree>
-      <p:nvGrpSpPr>
-        <p:cNvPr id="1" name=""/>
-        <p:cNvGrpSpPr/>
-        <p:nvPr/>
-      </p:nvGrpSpPr>
-      <p:grpSpPr>
-        <a:xfrm>
-          <a:off x="0" y="0"/>
-          <a:ext cx="0" cy="0"/>
-          <a:chOff x="0" y="0"/>
-          <a:chExt cx="0" cy="0"/>
-        </a:xfrm>
-      </p:grpSpPr>
-      <p:sp>
-        <p:nvSpPr>
-          <p:cNvPr id="2" name="Title 1"/>
-          <p:cNvSpPr>
-            <a:spLocks noGrp="1"/>
-          </p:cNvSpPr>
-          <p:nvPr>
-            <p:ph type="title"/>
-          </p:nvPr>
-        </p:nvSpPr>
-        <p:spPr/>
-        <p:txBody>
-          <a:bodyPr/>
-          <a:lstStyle/>
-          <a:p>
-            <a:r>
-              <a:rPr lang="en-US" dirty="0" smtClean="0"/>
-              <a:t>Missing Values</a:t>
-            </a:r>
-            <a:endParaRPr lang="en-US" dirty="0"/>
-          </a:p>
-        </p:txBody>
-      </p:sp>
-      <p:sp>
-        <p:nvSpPr>
-          <p:cNvPr id="4" name="Slide Number Placeholder 3"/>
-          <p:cNvSpPr>
-            <a:spLocks noGrp="1"/>
-          </p:cNvSpPr>
-          <p:nvPr>
-            <p:ph type="sldNum" sz="quarter" idx="4294967295"/>
-          </p:nvPr>
-        </p:nvSpPr>
-        <p:spPr/>
-        <p:txBody>
-          <a:bodyPr/>
-          <a:lstStyle/>
-          <a:p>
-            <a:endParaRPr lang="en-US" dirty="0"/>
-          </a:p>
-        </p:txBody>
-      </p:sp>
-      <p:sp>
-        <p:nvSpPr>
-          <p:cNvPr id="7" name="TextBox 6"/>
-          <p:cNvSpPr txBox="1"/>
-          <p:nvPr/>
-        </p:nvSpPr>
-        <p:spPr>
-          <a:xfrm>
-            <a:off x="743317" y="2184952"/>
-            <a:ext cx="7813623" cy="3785652"/>
-          </a:xfrm>
-          <a:prstGeom prst="rect">
-            <a:avLst/>
-          </a:prstGeom>
-          <a:noFill/>
-        </p:spPr>
-        <p:txBody>
-          <a:bodyPr wrap="square" rtlCol="0">
-            <a:spAutoFit/>
-          </a:bodyPr>
-          <a:lstStyle/>
-          <a:p>
-            <a:pPr marL="257175" indent="-257175">
-              <a:buFont typeface="Arial" panose="020B0604020202020204" pitchFamily="34" charset="0"/>
-              <a:buChar char="•"/>
-            </a:pPr>
-            <a:r>
-              <a:rPr lang="en-US" dirty="0"/>
-              <a:t>When summing the data, missing values will be treated as zero</a:t>
-            </a:r>
-          </a:p>
-          <a:p>
-            <a:pPr marL="257175" indent="-257175">
-              <a:buFont typeface="Arial" panose="020B0604020202020204" pitchFamily="34" charset="0"/>
-              <a:buChar char="•"/>
-            </a:pPr>
-            <a:r>
-              <a:rPr lang="en-US" dirty="0"/>
-              <a:t>If all values are missing, the sum will be equal to </a:t>
-            </a:r>
-            <a:r>
-              <a:rPr lang="en-US" dirty="0" err="1"/>
-              <a:t>NaN</a:t>
-            </a:r>
-            <a:endParaRPr lang="en-US" dirty="0"/>
-          </a:p>
-          <a:p>
-            <a:pPr marL="257175" indent="-257175">
-              <a:buFont typeface="Arial" panose="020B0604020202020204" pitchFamily="34" charset="0"/>
-              <a:buChar char="•"/>
-            </a:pPr>
-            <a:r>
-              <a:rPr lang="en-US" dirty="0" err="1"/>
-              <a:t>cumsum</a:t>
-            </a:r>
-            <a:r>
-              <a:rPr lang="en-US" dirty="0"/>
-              <a:t>() and </a:t>
-            </a:r>
-            <a:r>
-              <a:rPr lang="en-US" dirty="0" err="1"/>
-              <a:t>cumprod</a:t>
-            </a:r>
-            <a:r>
-              <a:rPr lang="en-US" dirty="0"/>
-              <a:t>() methods ignore missing values but preserve them in the resulting arrays</a:t>
-            </a:r>
-          </a:p>
-          <a:p>
-            <a:pPr marL="257175" indent="-257175">
-              <a:buFont typeface="Arial" panose="020B0604020202020204" pitchFamily="34" charset="0"/>
-              <a:buChar char="•"/>
-            </a:pPr>
-            <a:r>
-              <a:rPr lang="en-US" dirty="0"/>
-              <a:t>Missing values in </a:t>
-            </a:r>
-            <a:r>
-              <a:rPr lang="en-US" dirty="0" err="1"/>
-              <a:t>GroupBy</a:t>
-            </a:r>
-            <a:r>
-              <a:rPr lang="en-US" dirty="0"/>
-              <a:t> method are excluded (just like in R)</a:t>
-            </a:r>
-          </a:p>
-          <a:p>
-            <a:pPr marL="257175" indent="-257175">
-              <a:buFont typeface="Arial" panose="020B0604020202020204" pitchFamily="34" charset="0"/>
-              <a:buChar char="•"/>
-            </a:pPr>
-            <a:r>
-              <a:rPr lang="en-US" dirty="0"/>
-              <a:t>Many descriptive statistics methods have </a:t>
-            </a:r>
-            <a:r>
-              <a:rPr lang="en-US" i="1" dirty="0" err="1"/>
-              <a:t>skipna</a:t>
-            </a:r>
-            <a:r>
-              <a:rPr lang="en-US" i="1" dirty="0"/>
-              <a:t> </a:t>
-            </a:r>
-            <a:r>
-              <a:rPr lang="en-US" dirty="0"/>
-              <a:t>option to control if missing data should be excluded . This value is set to </a:t>
-            </a:r>
-            <a:r>
-              <a:rPr lang="en-US" i="1" dirty="0"/>
-              <a:t>True </a:t>
-            </a:r>
-            <a:r>
-              <a:rPr lang="en-US" dirty="0"/>
-              <a:t>by default (unlike R)</a:t>
-            </a:r>
-          </a:p>
-        </p:txBody>
-      </p:sp>
-    </p:spTree>
-    <p:extLst>
-      <p:ext uri="{BB962C8B-B14F-4D97-AF65-F5344CB8AC3E}">
-        <p14:creationId xmlns:p14="http://schemas.microsoft.com/office/powerpoint/2010/main" val="833748989"/>
-      </p:ext>
-    </p:extLst>
-  </p:cSld>
-  <p:clrMapOvr>
-    <a:masterClrMapping/>
-  </p:clrMapOvr>
+  <p:timing>
+    <p:tnLst>
+      <p:par>
+        <p:cTn id="1" dur="indefinite" restart="never" nodeType="tmRoot"/>
+      </p:par>
+    </p:tnLst>
+  </p:timing>
 </p:sld>
 </file>
 
@@ -29283,6 +30980,196 @@
           <a:p>
             <a:r>
               <a:rPr lang="en-US" dirty="0" smtClean="0"/>
+              <a:t>Missing Values</a:t>
+            </a:r>
+            <a:endParaRPr lang="en-US" dirty="0"/>
+          </a:p>
+        </p:txBody>
+      </p:sp>
+      <p:sp>
+        <p:nvSpPr>
+          <p:cNvPr id="4" name="Slide Number Placeholder 3"/>
+          <p:cNvSpPr>
+            <a:spLocks noGrp="1"/>
+          </p:cNvSpPr>
+          <p:nvPr>
+            <p:ph type="sldNum" sz="quarter" idx="4294967295"/>
+          </p:nvPr>
+        </p:nvSpPr>
+        <p:spPr/>
+        <p:txBody>
+          <a:bodyPr/>
+          <a:lstStyle/>
+          <a:p>
+            <a:endParaRPr lang="en-US" dirty="0"/>
+          </a:p>
+        </p:txBody>
+      </p:sp>
+      <p:sp>
+        <p:nvSpPr>
+          <p:cNvPr id="7" name="TextBox 6"/>
+          <p:cNvSpPr txBox="1"/>
+          <p:nvPr/>
+        </p:nvSpPr>
+        <p:spPr>
+          <a:xfrm>
+            <a:off x="743317" y="2184952"/>
+            <a:ext cx="7813623" cy="3785652"/>
+          </a:xfrm>
+          <a:prstGeom prst="rect">
+            <a:avLst/>
+          </a:prstGeom>
+          <a:noFill/>
+        </p:spPr>
+        <p:txBody>
+          <a:bodyPr wrap="square" rtlCol="0">
+            <a:spAutoFit/>
+          </a:bodyPr>
+          <a:lstStyle/>
+          <a:p>
+            <a:pPr marL="257175" indent="-257175">
+              <a:buFont typeface="Arial" panose="020B0604020202020204" pitchFamily="34" charset="0"/>
+              <a:buChar char="•"/>
+            </a:pPr>
+            <a:r>
+              <a:rPr lang="en-US" dirty="0"/>
+              <a:t>When summing the data, missing values will be treated as zero</a:t>
+            </a:r>
+          </a:p>
+          <a:p>
+            <a:pPr marL="257175" indent="-257175">
+              <a:buFont typeface="Arial" panose="020B0604020202020204" pitchFamily="34" charset="0"/>
+              <a:buChar char="•"/>
+            </a:pPr>
+            <a:r>
+              <a:rPr lang="en-US" dirty="0"/>
+              <a:t>If all values are missing, the sum will be equal to </a:t>
+            </a:r>
+            <a:r>
+              <a:rPr lang="en-US" dirty="0" err="1"/>
+              <a:t>NaN</a:t>
+            </a:r>
+            <a:endParaRPr lang="en-US" dirty="0"/>
+          </a:p>
+          <a:p>
+            <a:pPr marL="257175" indent="-257175">
+              <a:buFont typeface="Arial" panose="020B0604020202020204" pitchFamily="34" charset="0"/>
+              <a:buChar char="•"/>
+            </a:pPr>
+            <a:r>
+              <a:rPr lang="en-US" dirty="0" err="1"/>
+              <a:t>cumsum</a:t>
+            </a:r>
+            <a:r>
+              <a:rPr lang="en-US" dirty="0"/>
+              <a:t>() and </a:t>
+            </a:r>
+            <a:r>
+              <a:rPr lang="en-US" dirty="0" err="1"/>
+              <a:t>cumprod</a:t>
+            </a:r>
+            <a:r>
+              <a:rPr lang="en-US" dirty="0"/>
+              <a:t>() methods ignore missing values but preserve them in the resulting arrays</a:t>
+            </a:r>
+          </a:p>
+          <a:p>
+            <a:pPr marL="257175" indent="-257175">
+              <a:buFont typeface="Arial" panose="020B0604020202020204" pitchFamily="34" charset="0"/>
+              <a:buChar char="•"/>
+            </a:pPr>
+            <a:r>
+              <a:rPr lang="en-US" dirty="0"/>
+              <a:t>Missing values in </a:t>
+            </a:r>
+            <a:r>
+              <a:rPr lang="en-US" dirty="0" err="1"/>
+              <a:t>GroupBy</a:t>
+            </a:r>
+            <a:r>
+              <a:rPr lang="en-US" dirty="0"/>
+              <a:t> method are excluded (just like in R)</a:t>
+            </a:r>
+          </a:p>
+          <a:p>
+            <a:pPr marL="257175" indent="-257175">
+              <a:buFont typeface="Arial" panose="020B0604020202020204" pitchFamily="34" charset="0"/>
+              <a:buChar char="•"/>
+            </a:pPr>
+            <a:r>
+              <a:rPr lang="en-US" dirty="0"/>
+              <a:t>Many descriptive statistics methods have </a:t>
+            </a:r>
+            <a:r>
+              <a:rPr lang="en-US" i="1" dirty="0" err="1"/>
+              <a:t>skipna</a:t>
+            </a:r>
+            <a:r>
+              <a:rPr lang="en-US" i="1" dirty="0"/>
+              <a:t> </a:t>
+            </a:r>
+            <a:r>
+              <a:rPr lang="en-US" dirty="0"/>
+              <a:t>option to control if missing data should be excluded . This value is set to </a:t>
+            </a:r>
+            <a:r>
+              <a:rPr lang="en-US" i="1" dirty="0"/>
+              <a:t>True </a:t>
+            </a:r>
+            <a:r>
+              <a:rPr lang="en-US" dirty="0"/>
+              <a:t>by default (unlike R)</a:t>
+            </a:r>
+          </a:p>
+        </p:txBody>
+      </p:sp>
+    </p:spTree>
+    <p:extLst>
+      <p:ext uri="{BB962C8B-B14F-4D97-AF65-F5344CB8AC3E}">
+        <p14:creationId xmlns:p14="http://schemas.microsoft.com/office/powerpoint/2010/main" val="833748989"/>
+      </p:ext>
+    </p:extLst>
+  </p:cSld>
+  <p:clrMapOvr>
+    <a:masterClrMapping/>
+  </p:clrMapOvr>
+</p:sld>
+</file>
+
+<file path=ppt/slides/slide35.xml><?xml version="1.0" encoding="utf-8"?>
+<p:sld xmlns:a="http://schemas.openxmlformats.org/drawingml/2006/main" xmlns:r="http://schemas.openxmlformats.org/officeDocument/2006/relationships" xmlns:p="http://schemas.openxmlformats.org/presentationml/2006/main">
+  <p:cSld>
+    <p:spTree>
+      <p:nvGrpSpPr>
+        <p:cNvPr id="1" name=""/>
+        <p:cNvGrpSpPr/>
+        <p:nvPr/>
+      </p:nvGrpSpPr>
+      <p:grpSpPr>
+        <a:xfrm>
+          <a:off x="0" y="0"/>
+          <a:ext cx="0" cy="0"/>
+          <a:chOff x="0" y="0"/>
+          <a:chExt cx="0" cy="0"/>
+        </a:xfrm>
+      </p:grpSpPr>
+      <p:sp>
+        <p:nvSpPr>
+          <p:cNvPr id="2" name="Title 1"/>
+          <p:cNvSpPr>
+            <a:spLocks noGrp="1"/>
+          </p:cNvSpPr>
+          <p:nvPr>
+            <p:ph type="title"/>
+          </p:nvPr>
+        </p:nvSpPr>
+        <p:spPr/>
+        <p:txBody>
+          <a:bodyPr/>
+          <a:lstStyle/>
+          <a:p>
+            <a:r>
+              <a:rPr lang="en-US" dirty="0" smtClean="0"/>
               <a:t>Aggregation Functions in Pandas</a:t>
             </a:r>
             <a:endParaRPr lang="en-US" dirty="0"/>
@@ -29426,7 +31313,7 @@
 </p:sld>
 </file>
 
-<file path=ppt/slides/slide35.xml><?xml version="1.0" encoding="utf-8"?>
+<file path=ppt/slides/slide36.xml><?xml version="1.0" encoding="utf-8"?>
 <p:sld xmlns:a="http://schemas.openxmlformats.org/drawingml/2006/main" xmlns:r="http://schemas.openxmlformats.org/officeDocument/2006/relationships" xmlns:p="http://schemas.openxmlformats.org/presentationml/2006/main">
   <p:cSld>
     <p:spTree>
@@ -29879,7 +31766,7 @@
 </p:sld>
 </file>
 
-<file path=ppt/slides/slide36.xml><?xml version="1.0" encoding="utf-8"?>
+<file path=ppt/slides/slide37.xml><?xml version="1.0" encoding="utf-8"?>
 <p:sld xmlns:a="http://schemas.openxmlformats.org/drawingml/2006/main" xmlns:r="http://schemas.openxmlformats.org/officeDocument/2006/relationships" xmlns:p="http://schemas.openxmlformats.org/presentationml/2006/main">
   <p:cSld>
     <p:spTree>
@@ -29964,7 +31851,6 @@
               <a:rPr lang="en-US" sz="1800" dirty="0"/>
               <a:t>  </a:t>
             </a:r>
-            <a:endParaRPr lang="en-US" sz="1800" dirty="0"/>
           </a:p>
         </p:txBody>
       </p:sp>
@@ -30420,7 +32306,7 @@
 </p:sld>
 </file>
 
-<file path=ppt/slides/slide37.xml><?xml version="1.0" encoding="utf-8"?>
+<file path=ppt/slides/slide38.xml><?xml version="1.0" encoding="utf-8"?>
 <p:sld xmlns:a="http://schemas.openxmlformats.org/drawingml/2006/main" xmlns:r="http://schemas.openxmlformats.org/officeDocument/2006/relationships" xmlns:p="http://schemas.openxmlformats.org/presentationml/2006/main">
   <p:cSld>
     <p:spTree>
@@ -30505,7 +32391,6 @@
               <a:rPr lang="en-US" sz="1800" dirty="0"/>
               <a:t>  </a:t>
             </a:r>
-            <a:endParaRPr lang="en-US" sz="1800" dirty="0"/>
           </a:p>
         </p:txBody>
       </p:sp>
@@ -30533,11 +32418,7 @@
           <a:p>
             <a:r>
               <a:rPr lang="en-US" sz="1800" dirty="0" err="1"/>
-              <a:t>s</a:t>
-            </a:r>
-            <a:r>
-              <a:rPr lang="en-US" sz="1800" dirty="0" err="1"/>
-              <a:t>tatsmodel</a:t>
+              <a:t>statsmodel</a:t>
             </a:r>
             <a:r>
               <a:rPr lang="en-US" sz="1800" dirty="0"/>
@@ -30771,6 +32652,13 @@
       <p:transition spd="slow"/>
     </mc:Fallback>
   </mc:AlternateContent>
+  <p:timing>
+    <p:tnLst>
+      <p:par>
+        <p:cTn id="1" dur="indefinite" restart="never" nodeType="tmRoot"/>
+      </p:par>
+    </p:tnLst>
+  </p:timing>
 </p:sld>
 </file>
 
@@ -30825,6 +32713,13 @@
   <p:clrMapOvr>
     <a:masterClrMapping/>
   </p:clrMapOvr>
+  <p:timing>
+    <p:tnLst>
+      <p:par>
+        <p:cTn id="1" dur="indefinite" restart="never" nodeType="tmRoot"/>
+      </p:par>
+    </p:tnLst>
+  </p:timing>
 </p:sld>
 </file>
 
